--- a/new results.pptx
+++ b/new results.pptx
@@ -4,9 +4,21 @@
   <p:sldMasterIdLst>
     <p:sldMasterId id="2147483648" r:id="rId1"/>
   </p:sldMasterIdLst>
+  <p:notesMasterIdLst>
+    <p:notesMasterId r:id="rId13"/>
+  </p:notesMasterIdLst>
   <p:sldIdLst>
-    <p:sldId id="256" r:id="rId2"/>
-    <p:sldId id="257" r:id="rId3"/>
+    <p:sldId id="309" r:id="rId2"/>
+    <p:sldId id="310" r:id="rId3"/>
+    <p:sldId id="312" r:id="rId4"/>
+    <p:sldId id="313" r:id="rId5"/>
+    <p:sldId id="256" r:id="rId6"/>
+    <p:sldId id="257" r:id="rId7"/>
+    <p:sldId id="258" r:id="rId8"/>
+    <p:sldId id="259" r:id="rId9"/>
+    <p:sldId id="314" r:id="rId10"/>
+    <p:sldId id="261" r:id="rId11"/>
+    <p:sldId id="315" r:id="rId12"/>
   </p:sldIdLst>
   <p:sldSz cx="12192000" cy="6858000"/>
   <p:notesSz cx="6858000" cy="9144000"/>
@@ -105,7 +117,535 @@
       </a:defRPr>
     </a:lvl9pPr>
   </p:defaultTextStyle>
+  <p:extLst>
+    <p:ext uri="{EFAFB233-063F-42B5-8137-9DF3F51BA10A}">
+      <p15:sldGuideLst xmlns:p15="http://schemas.microsoft.com/office/powerpoint/2012/main"/>
+    </p:ext>
+  </p:extLst>
 </p:presentation>
+</file>
+
+<file path=ppt/notesMasters/notesMaster1.xml><?xml version="1.0" encoding="utf-8"?>
+<p:notesMaster xmlns:a="http://schemas.openxmlformats.org/drawingml/2006/main" xmlns:r="http://schemas.openxmlformats.org/officeDocument/2006/relationships" xmlns:p="http://schemas.openxmlformats.org/presentationml/2006/main">
+  <p:cSld>
+    <p:bg>
+      <p:bgRef idx="1001">
+        <a:schemeClr val="bg1"/>
+      </p:bgRef>
+    </p:bg>
+    <p:spTree>
+      <p:nvGrpSpPr>
+        <p:cNvPr id="1" name=""/>
+        <p:cNvGrpSpPr/>
+        <p:nvPr/>
+      </p:nvGrpSpPr>
+      <p:grpSpPr>
+        <a:xfrm>
+          <a:off x="0" y="0"/>
+          <a:ext cx="0" cy="0"/>
+          <a:chOff x="0" y="0"/>
+          <a:chExt cx="0" cy="0"/>
+        </a:xfrm>
+      </p:grpSpPr>
+      <p:sp>
+        <p:nvSpPr>
+          <p:cNvPr id="2" name="Header Placeholder 1"/>
+          <p:cNvSpPr>
+            <a:spLocks noGrp="1"/>
+          </p:cNvSpPr>
+          <p:nvPr>
+            <p:ph type="hdr" sz="quarter"/>
+          </p:nvPr>
+        </p:nvSpPr>
+        <p:spPr>
+          <a:xfrm>
+            <a:off x="0" y="0"/>
+            <a:ext cx="2971800" cy="458788"/>
+          </a:xfrm>
+          <a:prstGeom prst="rect">
+            <a:avLst/>
+          </a:prstGeom>
+        </p:spPr>
+        <p:txBody>
+          <a:bodyPr vert="horz" lIns="91440" tIns="45720" rIns="91440" bIns="45720" rtlCol="0"/>
+          <a:lstStyle>
+            <a:lvl1pPr algn="l">
+              <a:defRPr sz="1200"/>
+            </a:lvl1pPr>
+          </a:lstStyle>
+          <a:p>
+            <a:endParaRPr lang="en-US"/>
+          </a:p>
+        </p:txBody>
+      </p:sp>
+      <p:sp>
+        <p:nvSpPr>
+          <p:cNvPr id="3" name="Date Placeholder 2"/>
+          <p:cNvSpPr>
+            <a:spLocks noGrp="1"/>
+          </p:cNvSpPr>
+          <p:nvPr>
+            <p:ph type="dt" idx="1"/>
+          </p:nvPr>
+        </p:nvSpPr>
+        <p:spPr>
+          <a:xfrm>
+            <a:off x="3884613" y="0"/>
+            <a:ext cx="2971800" cy="458788"/>
+          </a:xfrm>
+          <a:prstGeom prst="rect">
+            <a:avLst/>
+          </a:prstGeom>
+        </p:spPr>
+        <p:txBody>
+          <a:bodyPr vert="horz" lIns="91440" tIns="45720" rIns="91440" bIns="45720" rtlCol="0"/>
+          <a:lstStyle>
+            <a:lvl1pPr algn="r">
+              <a:defRPr sz="1200"/>
+            </a:lvl1pPr>
+          </a:lstStyle>
+          <a:p>
+            <a:fld id="{4543A3A9-CBF7-3D4B-AD57-D218981C1820}" type="datetimeFigureOut">
+              <a:rPr lang="en-US" smtClean="0"/>
+              <a:t>7/2/21</a:t>
+            </a:fld>
+            <a:endParaRPr lang="en-US"/>
+          </a:p>
+        </p:txBody>
+      </p:sp>
+      <p:sp>
+        <p:nvSpPr>
+          <p:cNvPr id="4" name="Slide Image Placeholder 3"/>
+          <p:cNvSpPr>
+            <a:spLocks noGrp="1" noRot="1" noChangeAspect="1"/>
+          </p:cNvSpPr>
+          <p:nvPr>
+            <p:ph type="sldImg" idx="2"/>
+          </p:nvPr>
+        </p:nvSpPr>
+        <p:spPr>
+          <a:xfrm>
+            <a:off x="685800" y="1143000"/>
+            <a:ext cx="5486400" cy="3086100"/>
+          </a:xfrm>
+          <a:prstGeom prst="rect">
+            <a:avLst/>
+          </a:prstGeom>
+          <a:noFill/>
+          <a:ln w="12700">
+            <a:solidFill>
+              <a:prstClr val="black"/>
+            </a:solidFill>
+          </a:ln>
+        </p:spPr>
+        <p:txBody>
+          <a:bodyPr vert="horz" lIns="91440" tIns="45720" rIns="91440" bIns="45720" rtlCol="0" anchor="ctr"/>
+          <a:lstStyle/>
+          <a:p>
+            <a:endParaRPr lang="en-US"/>
+          </a:p>
+        </p:txBody>
+      </p:sp>
+      <p:sp>
+        <p:nvSpPr>
+          <p:cNvPr id="5" name="Notes Placeholder 4"/>
+          <p:cNvSpPr>
+            <a:spLocks noGrp="1"/>
+          </p:cNvSpPr>
+          <p:nvPr>
+            <p:ph type="body" sz="quarter" idx="3"/>
+          </p:nvPr>
+        </p:nvSpPr>
+        <p:spPr>
+          <a:xfrm>
+            <a:off x="685800" y="4400550"/>
+            <a:ext cx="5486400" cy="3600450"/>
+          </a:xfrm>
+          <a:prstGeom prst="rect">
+            <a:avLst/>
+          </a:prstGeom>
+        </p:spPr>
+        <p:txBody>
+          <a:bodyPr vert="horz" lIns="91440" tIns="45720" rIns="91440" bIns="45720" rtlCol="0"/>
+          <a:lstStyle/>
+          <a:p>
+            <a:pPr lvl="0"/>
+            <a:r>
+              <a:rPr lang="en-US"/>
+              <a:t>Edit Master text styles</a:t>
+            </a:r>
+          </a:p>
+          <a:p>
+            <a:pPr lvl="1"/>
+            <a:r>
+              <a:rPr lang="en-US"/>
+              <a:t>Second level</a:t>
+            </a:r>
+          </a:p>
+          <a:p>
+            <a:pPr lvl="2"/>
+            <a:r>
+              <a:rPr lang="en-US"/>
+              <a:t>Third level</a:t>
+            </a:r>
+          </a:p>
+          <a:p>
+            <a:pPr lvl="3"/>
+            <a:r>
+              <a:rPr lang="en-US"/>
+              <a:t>Fourth level</a:t>
+            </a:r>
+          </a:p>
+          <a:p>
+            <a:pPr lvl="4"/>
+            <a:r>
+              <a:rPr lang="en-US"/>
+              <a:t>Fifth level</a:t>
+            </a:r>
+          </a:p>
+        </p:txBody>
+      </p:sp>
+      <p:sp>
+        <p:nvSpPr>
+          <p:cNvPr id="6" name="Footer Placeholder 5"/>
+          <p:cNvSpPr>
+            <a:spLocks noGrp="1"/>
+          </p:cNvSpPr>
+          <p:nvPr>
+            <p:ph type="ftr" sz="quarter" idx="4"/>
+          </p:nvPr>
+        </p:nvSpPr>
+        <p:spPr>
+          <a:xfrm>
+            <a:off x="0" y="8685213"/>
+            <a:ext cx="2971800" cy="458787"/>
+          </a:xfrm>
+          <a:prstGeom prst="rect">
+            <a:avLst/>
+          </a:prstGeom>
+        </p:spPr>
+        <p:txBody>
+          <a:bodyPr vert="horz" lIns="91440" tIns="45720" rIns="91440" bIns="45720" rtlCol="0" anchor="b"/>
+          <a:lstStyle>
+            <a:lvl1pPr algn="l">
+              <a:defRPr sz="1200"/>
+            </a:lvl1pPr>
+          </a:lstStyle>
+          <a:p>
+            <a:endParaRPr lang="en-US"/>
+          </a:p>
+        </p:txBody>
+      </p:sp>
+      <p:sp>
+        <p:nvSpPr>
+          <p:cNvPr id="7" name="Slide Number Placeholder 6"/>
+          <p:cNvSpPr>
+            <a:spLocks noGrp="1"/>
+          </p:cNvSpPr>
+          <p:nvPr>
+            <p:ph type="sldNum" sz="quarter" idx="5"/>
+          </p:nvPr>
+        </p:nvSpPr>
+        <p:spPr>
+          <a:xfrm>
+            <a:off x="3884613" y="8685213"/>
+            <a:ext cx="2971800" cy="458787"/>
+          </a:xfrm>
+          <a:prstGeom prst="rect">
+            <a:avLst/>
+          </a:prstGeom>
+        </p:spPr>
+        <p:txBody>
+          <a:bodyPr vert="horz" lIns="91440" tIns="45720" rIns="91440" bIns="45720" rtlCol="0" anchor="b"/>
+          <a:lstStyle>
+            <a:lvl1pPr algn="r">
+              <a:defRPr sz="1200"/>
+            </a:lvl1pPr>
+          </a:lstStyle>
+          <a:p>
+            <a:fld id="{F008B632-D9CA-AA4E-9CA7-171EFC0EC9B3}" type="slidenum">
+              <a:rPr lang="en-US" smtClean="0"/>
+              <a:t>‹#›</a:t>
+            </a:fld>
+            <a:endParaRPr lang="en-US"/>
+          </a:p>
+        </p:txBody>
+      </p:sp>
+    </p:spTree>
+    <p:extLst>
+      <p:ext uri="{BB962C8B-B14F-4D97-AF65-F5344CB8AC3E}">
+        <p14:creationId xmlns:p14="http://schemas.microsoft.com/office/powerpoint/2010/main" val="1555155220"/>
+      </p:ext>
+    </p:extLst>
+  </p:cSld>
+  <p:clrMap bg1="lt1" tx1="dk1" bg2="lt2" tx2="dk2" accent1="accent1" accent2="accent2" accent3="accent3" accent4="accent4" accent5="accent5" accent6="accent6" hlink="hlink" folHlink="folHlink"/>
+  <p:notesStyle>
+    <a:lvl1pPr marL="0" algn="l" defTabSz="914400" rtl="0" eaLnBrk="1" latinLnBrk="0" hangingPunct="1">
+      <a:defRPr sz="1200" kern="1200">
+        <a:solidFill>
+          <a:schemeClr val="tx1"/>
+        </a:solidFill>
+        <a:latin typeface="+mn-lt"/>
+        <a:ea typeface="+mn-ea"/>
+        <a:cs typeface="+mn-cs"/>
+      </a:defRPr>
+    </a:lvl1pPr>
+    <a:lvl2pPr marL="457200" algn="l" defTabSz="914400" rtl="0" eaLnBrk="1" latinLnBrk="0" hangingPunct="1">
+      <a:defRPr sz="1200" kern="1200">
+        <a:solidFill>
+          <a:schemeClr val="tx1"/>
+        </a:solidFill>
+        <a:latin typeface="+mn-lt"/>
+        <a:ea typeface="+mn-ea"/>
+        <a:cs typeface="+mn-cs"/>
+      </a:defRPr>
+    </a:lvl2pPr>
+    <a:lvl3pPr marL="914400" algn="l" defTabSz="914400" rtl="0" eaLnBrk="1" latinLnBrk="0" hangingPunct="1">
+      <a:defRPr sz="1200" kern="1200">
+        <a:solidFill>
+          <a:schemeClr val="tx1"/>
+        </a:solidFill>
+        <a:latin typeface="+mn-lt"/>
+        <a:ea typeface="+mn-ea"/>
+        <a:cs typeface="+mn-cs"/>
+      </a:defRPr>
+    </a:lvl3pPr>
+    <a:lvl4pPr marL="1371600" algn="l" defTabSz="914400" rtl="0" eaLnBrk="1" latinLnBrk="0" hangingPunct="1">
+      <a:defRPr sz="1200" kern="1200">
+        <a:solidFill>
+          <a:schemeClr val="tx1"/>
+        </a:solidFill>
+        <a:latin typeface="+mn-lt"/>
+        <a:ea typeface="+mn-ea"/>
+        <a:cs typeface="+mn-cs"/>
+      </a:defRPr>
+    </a:lvl4pPr>
+    <a:lvl5pPr marL="1828800" algn="l" defTabSz="914400" rtl="0" eaLnBrk="1" latinLnBrk="0" hangingPunct="1">
+      <a:defRPr sz="1200" kern="1200">
+        <a:solidFill>
+          <a:schemeClr val="tx1"/>
+        </a:solidFill>
+        <a:latin typeface="+mn-lt"/>
+        <a:ea typeface="+mn-ea"/>
+        <a:cs typeface="+mn-cs"/>
+      </a:defRPr>
+    </a:lvl5pPr>
+    <a:lvl6pPr marL="2286000" algn="l" defTabSz="914400" rtl="0" eaLnBrk="1" latinLnBrk="0" hangingPunct="1">
+      <a:defRPr sz="1200" kern="1200">
+        <a:solidFill>
+          <a:schemeClr val="tx1"/>
+        </a:solidFill>
+        <a:latin typeface="+mn-lt"/>
+        <a:ea typeface="+mn-ea"/>
+        <a:cs typeface="+mn-cs"/>
+      </a:defRPr>
+    </a:lvl6pPr>
+    <a:lvl7pPr marL="2743200" algn="l" defTabSz="914400" rtl="0" eaLnBrk="1" latinLnBrk="0" hangingPunct="1">
+      <a:defRPr sz="1200" kern="1200">
+        <a:solidFill>
+          <a:schemeClr val="tx1"/>
+        </a:solidFill>
+        <a:latin typeface="+mn-lt"/>
+        <a:ea typeface="+mn-ea"/>
+        <a:cs typeface="+mn-cs"/>
+      </a:defRPr>
+    </a:lvl7pPr>
+    <a:lvl8pPr marL="3200400" algn="l" defTabSz="914400" rtl="0" eaLnBrk="1" latinLnBrk="0" hangingPunct="1">
+      <a:defRPr sz="1200" kern="1200">
+        <a:solidFill>
+          <a:schemeClr val="tx1"/>
+        </a:solidFill>
+        <a:latin typeface="+mn-lt"/>
+        <a:ea typeface="+mn-ea"/>
+        <a:cs typeface="+mn-cs"/>
+      </a:defRPr>
+    </a:lvl8pPr>
+    <a:lvl9pPr marL="3657600" algn="l" defTabSz="914400" rtl="0" eaLnBrk="1" latinLnBrk="0" hangingPunct="1">
+      <a:defRPr sz="1200" kern="1200">
+        <a:solidFill>
+          <a:schemeClr val="tx1"/>
+        </a:solidFill>
+        <a:latin typeface="+mn-lt"/>
+        <a:ea typeface="+mn-ea"/>
+        <a:cs typeface="+mn-cs"/>
+      </a:defRPr>
+    </a:lvl9pPr>
+  </p:notesStyle>
+</p:notesMaster>
+</file>
+
+<file path=ppt/notesSlides/notesSlide1.xml><?xml version="1.0" encoding="utf-8"?>
+<p:notes xmlns:a="http://schemas.openxmlformats.org/drawingml/2006/main" xmlns:r="http://schemas.openxmlformats.org/officeDocument/2006/relationships" xmlns:p="http://schemas.openxmlformats.org/presentationml/2006/main">
+  <p:cSld>
+    <p:spTree>
+      <p:nvGrpSpPr>
+        <p:cNvPr id="1" name=""/>
+        <p:cNvGrpSpPr/>
+        <p:nvPr/>
+      </p:nvGrpSpPr>
+      <p:grpSpPr>
+        <a:xfrm>
+          <a:off x="0" y="0"/>
+          <a:ext cx="0" cy="0"/>
+          <a:chOff x="0" y="0"/>
+          <a:chExt cx="0" cy="0"/>
+        </a:xfrm>
+      </p:grpSpPr>
+      <p:sp>
+        <p:nvSpPr>
+          <p:cNvPr id="2" name="Slide Image Placeholder 1"/>
+          <p:cNvSpPr>
+            <a:spLocks noGrp="1" noRot="1" noChangeAspect="1"/>
+          </p:cNvSpPr>
+          <p:nvPr>
+            <p:ph type="sldImg"/>
+          </p:nvPr>
+        </p:nvSpPr>
+        <p:spPr/>
+      </p:sp>
+      <p:sp>
+        <p:nvSpPr>
+          <p:cNvPr id="3" name="Notes Placeholder 2"/>
+          <p:cNvSpPr>
+            <a:spLocks noGrp="1"/>
+          </p:cNvSpPr>
+          <p:nvPr>
+            <p:ph type="body" idx="1"/>
+          </p:nvPr>
+        </p:nvSpPr>
+        <p:spPr/>
+        <p:txBody>
+          <a:bodyPr/>
+          <a:lstStyle/>
+          <a:p>
+            <a:r>
+              <a:rPr lang="en-US" dirty="0"/>
+              <a:t>The way we defined maturation, it did not dramatically differ (between 3 and 4 years). But reproductive output </a:t>
+            </a:r>
+          </a:p>
+        </p:txBody>
+      </p:sp>
+      <p:sp>
+        <p:nvSpPr>
+          <p:cNvPr id="4" name="Slide Number Placeholder 3"/>
+          <p:cNvSpPr>
+            <a:spLocks noGrp="1"/>
+          </p:cNvSpPr>
+          <p:nvPr>
+            <p:ph type="sldNum" sz="quarter" idx="5"/>
+          </p:nvPr>
+        </p:nvSpPr>
+        <p:spPr/>
+        <p:txBody>
+          <a:bodyPr/>
+          <a:lstStyle/>
+          <a:p>
+            <a:fld id="{3248067B-8EAF-E84F-9254-CEA8FA926924}" type="slidenum">
+              <a:rPr lang="en-US" smtClean="0"/>
+              <a:t>1</a:t>
+            </a:fld>
+            <a:endParaRPr lang="en-US"/>
+          </a:p>
+        </p:txBody>
+      </p:sp>
+    </p:spTree>
+    <p:extLst>
+      <p:ext uri="{BB962C8B-B14F-4D97-AF65-F5344CB8AC3E}">
+        <p14:creationId xmlns:p14="http://schemas.microsoft.com/office/powerpoint/2010/main" val="1361237316"/>
+      </p:ext>
+    </p:extLst>
+  </p:cSld>
+  <p:clrMapOvr>
+    <a:masterClrMapping/>
+  </p:clrMapOvr>
+</p:notes>
+</file>
+
+<file path=ppt/notesSlides/notesSlide2.xml><?xml version="1.0" encoding="utf-8"?>
+<p:notes xmlns:a="http://schemas.openxmlformats.org/drawingml/2006/main" xmlns:r="http://schemas.openxmlformats.org/officeDocument/2006/relationships" xmlns:p="http://schemas.openxmlformats.org/presentationml/2006/main">
+  <p:cSld>
+    <p:spTree>
+      <p:nvGrpSpPr>
+        <p:cNvPr id="1" name=""/>
+        <p:cNvGrpSpPr/>
+        <p:nvPr/>
+      </p:nvGrpSpPr>
+      <p:grpSpPr>
+        <a:xfrm>
+          <a:off x="0" y="0"/>
+          <a:ext cx="0" cy="0"/>
+          <a:chOff x="0" y="0"/>
+          <a:chExt cx="0" cy="0"/>
+        </a:xfrm>
+      </p:grpSpPr>
+      <p:sp>
+        <p:nvSpPr>
+          <p:cNvPr id="2" name="Slide Image Placeholder 1"/>
+          <p:cNvSpPr>
+            <a:spLocks noGrp="1" noRot="1" noChangeAspect="1"/>
+          </p:cNvSpPr>
+          <p:nvPr>
+            <p:ph type="sldImg"/>
+          </p:nvPr>
+        </p:nvSpPr>
+        <p:spPr/>
+      </p:sp>
+      <p:sp>
+        <p:nvSpPr>
+          <p:cNvPr id="3" name="Notes Placeholder 2"/>
+          <p:cNvSpPr>
+            <a:spLocks noGrp="1"/>
+          </p:cNvSpPr>
+          <p:nvPr>
+            <p:ph type="body" idx="1"/>
+          </p:nvPr>
+        </p:nvSpPr>
+        <p:spPr/>
+        <p:txBody>
+          <a:bodyPr/>
+          <a:lstStyle/>
+          <a:p>
+            <a:r>
+              <a:rPr lang="en-US" dirty="0"/>
+              <a:t>The way we defined maturation, it did not dramatically differ (between 3 and 4 years). But reproductive output </a:t>
+            </a:r>
+          </a:p>
+        </p:txBody>
+      </p:sp>
+      <p:sp>
+        <p:nvSpPr>
+          <p:cNvPr id="4" name="Slide Number Placeholder 3"/>
+          <p:cNvSpPr>
+            <a:spLocks noGrp="1"/>
+          </p:cNvSpPr>
+          <p:nvPr>
+            <p:ph type="sldNum" sz="quarter" idx="5"/>
+          </p:nvPr>
+        </p:nvSpPr>
+        <p:spPr/>
+        <p:txBody>
+          <a:bodyPr/>
+          <a:lstStyle/>
+          <a:p>
+            <a:fld id="{3248067B-8EAF-E84F-9254-CEA8FA926924}" type="slidenum">
+              <a:rPr lang="en-US" smtClean="0"/>
+              <a:t>2</a:t>
+            </a:fld>
+            <a:endParaRPr lang="en-US"/>
+          </a:p>
+        </p:txBody>
+      </p:sp>
+    </p:spTree>
+    <p:extLst>
+      <p:ext uri="{BB962C8B-B14F-4D97-AF65-F5344CB8AC3E}">
+        <p14:creationId xmlns:p14="http://schemas.microsoft.com/office/powerpoint/2010/main" val="3148756133"/>
+      </p:ext>
+    </p:extLst>
+  </p:cSld>
+  <p:clrMapOvr>
+    <a:masterClrMapping/>
+  </p:clrMapOvr>
+</p:notes>
 </file>
 
 <file path=ppt/slideLayouts/slideLayout1.xml><?xml version="1.0" encoding="utf-8"?>
@@ -255,7 +795,7 @@
           <a:p>
             <a:fld id="{E9F44119-0174-E745-9662-06438F1C59C4}" type="datetimeFigureOut">
               <a:rPr lang="en-US" smtClean="0"/>
-              <a:t>6/30/21</a:t>
+              <a:t>7/2/21</a:t>
             </a:fld>
             <a:endParaRPr lang="en-US"/>
           </a:p>
@@ -453,7 +993,7 @@
           <a:p>
             <a:fld id="{E9F44119-0174-E745-9662-06438F1C59C4}" type="datetimeFigureOut">
               <a:rPr lang="en-US" smtClean="0"/>
-              <a:t>6/30/21</a:t>
+              <a:t>7/2/21</a:t>
             </a:fld>
             <a:endParaRPr lang="en-US"/>
           </a:p>
@@ -661,7 +1201,7 @@
           <a:p>
             <a:fld id="{E9F44119-0174-E745-9662-06438F1C59C4}" type="datetimeFigureOut">
               <a:rPr lang="en-US" smtClean="0"/>
-              <a:t>6/30/21</a:t>
+              <a:t>7/2/21</a:t>
             </a:fld>
             <a:endParaRPr lang="en-US"/>
           </a:p>
@@ -859,7 +1399,7 @@
           <a:p>
             <a:fld id="{E9F44119-0174-E745-9662-06438F1C59C4}" type="datetimeFigureOut">
               <a:rPr lang="en-US" smtClean="0"/>
-              <a:t>6/30/21</a:t>
+              <a:t>7/2/21</a:t>
             </a:fld>
             <a:endParaRPr lang="en-US"/>
           </a:p>
@@ -1134,7 +1674,7 @@
           <a:p>
             <a:fld id="{E9F44119-0174-E745-9662-06438F1C59C4}" type="datetimeFigureOut">
               <a:rPr lang="en-US" smtClean="0"/>
-              <a:t>6/30/21</a:t>
+              <a:t>7/2/21</a:t>
             </a:fld>
             <a:endParaRPr lang="en-US"/>
           </a:p>
@@ -1399,7 +1939,7 @@
           <a:p>
             <a:fld id="{E9F44119-0174-E745-9662-06438F1C59C4}" type="datetimeFigureOut">
               <a:rPr lang="en-US" smtClean="0"/>
-              <a:t>6/30/21</a:t>
+              <a:t>7/2/21</a:t>
             </a:fld>
             <a:endParaRPr lang="en-US"/>
           </a:p>
@@ -1811,7 +2351,7 @@
           <a:p>
             <a:fld id="{E9F44119-0174-E745-9662-06438F1C59C4}" type="datetimeFigureOut">
               <a:rPr lang="en-US" smtClean="0"/>
-              <a:t>6/30/21</a:t>
+              <a:t>7/2/21</a:t>
             </a:fld>
             <a:endParaRPr lang="en-US"/>
           </a:p>
@@ -1952,7 +2492,7 @@
           <a:p>
             <a:fld id="{E9F44119-0174-E745-9662-06438F1C59C4}" type="datetimeFigureOut">
               <a:rPr lang="en-US" smtClean="0"/>
-              <a:t>6/30/21</a:t>
+              <a:t>7/2/21</a:t>
             </a:fld>
             <a:endParaRPr lang="en-US"/>
           </a:p>
@@ -2065,7 +2605,7 @@
           <a:p>
             <a:fld id="{E9F44119-0174-E745-9662-06438F1C59C4}" type="datetimeFigureOut">
               <a:rPr lang="en-US" smtClean="0"/>
-              <a:t>6/30/21</a:t>
+              <a:t>7/2/21</a:t>
             </a:fld>
             <a:endParaRPr lang="en-US"/>
           </a:p>
@@ -2376,7 +2916,7 @@
           <a:p>
             <a:fld id="{E9F44119-0174-E745-9662-06438F1C59C4}" type="datetimeFigureOut">
               <a:rPr lang="en-US" smtClean="0"/>
-              <a:t>6/30/21</a:t>
+              <a:t>7/2/21</a:t>
             </a:fld>
             <a:endParaRPr lang="en-US"/>
           </a:p>
@@ -2664,7 +3204,7 @@
           <a:p>
             <a:fld id="{E9F44119-0174-E745-9662-06438F1C59C4}" type="datetimeFigureOut">
               <a:rPr lang="en-US" smtClean="0"/>
-              <a:t>6/30/21</a:t>
+              <a:t>7/2/21</a:t>
             </a:fld>
             <a:endParaRPr lang="en-US"/>
           </a:p>
@@ -2905,7 +3445,7 @@
           <a:p>
             <a:fld id="{E9F44119-0174-E745-9662-06438F1C59C4}" type="datetimeFigureOut">
               <a:rPr lang="en-US" smtClean="0"/>
-              <a:t>6/30/21</a:t>
+              <a:t>7/2/21</a:t>
             </a:fld>
             <a:endParaRPr lang="en-US"/>
           </a:p>
@@ -3308,6 +3848,16 @@
 <file path=ppt/slides/slide1.xml><?xml version="1.0" encoding="utf-8"?>
 <p:sld xmlns:a="http://schemas.openxmlformats.org/drawingml/2006/main" xmlns:r="http://schemas.openxmlformats.org/officeDocument/2006/relationships" xmlns:p="http://schemas.openxmlformats.org/presentationml/2006/main">
   <p:cSld>
+    <p:bg>
+      <p:bgPr>
+        <a:solidFill>
+          <a:schemeClr val="accent1">
+            <a:lumMod val="75000"/>
+          </a:schemeClr>
+        </a:solidFill>
+        <a:effectLst/>
+      </p:bgPr>
+    </p:bg>
     <p:spTree>
       <p:nvGrpSpPr>
         <p:cNvPr id="1" name=""/>
@@ -3324,10 +3874,59 @@
       </p:grpSpPr>
       <p:sp>
         <p:nvSpPr>
-          <p:cNvPr id="5" name="TextBox 4">
-            <a:extLst>
-              <a:ext uri="{FF2B5EF4-FFF2-40B4-BE49-F238E27FC236}">
-                <a16:creationId xmlns:a16="http://schemas.microsoft.com/office/drawing/2014/main" id="{45023B22-B75D-B845-B5C5-E2A58AFF2E34}"/>
+          <p:cNvPr id="17" name="Rectangle 16">
+            <a:extLst>
+              <a:ext uri="{FF2B5EF4-FFF2-40B4-BE49-F238E27FC236}">
+                <a16:creationId xmlns:a16="http://schemas.microsoft.com/office/drawing/2014/main" id="{93E57C1B-149A-A144-BB5B-64D3082F9E47}"/>
+              </a:ext>
+            </a:extLst>
+          </p:cNvPr>
+          <p:cNvSpPr/>
+          <p:nvPr/>
+        </p:nvSpPr>
+        <p:spPr>
+          <a:xfrm>
+            <a:off x="3463961" y="850949"/>
+            <a:ext cx="5174429" cy="5388486"/>
+          </a:xfrm>
+          <a:prstGeom prst="rect">
+            <a:avLst/>
+          </a:prstGeom>
+          <a:solidFill>
+            <a:schemeClr val="bg1"/>
+          </a:solidFill>
+        </p:spPr>
+        <p:style>
+          <a:lnRef idx="2">
+            <a:schemeClr val="accent1">
+              <a:shade val="50000"/>
+            </a:schemeClr>
+          </a:lnRef>
+          <a:fillRef idx="1">
+            <a:schemeClr val="accent1"/>
+          </a:fillRef>
+          <a:effectRef idx="0">
+            <a:schemeClr val="accent1"/>
+          </a:effectRef>
+          <a:fontRef idx="minor">
+            <a:schemeClr val="lt1"/>
+          </a:fontRef>
+        </p:style>
+        <p:txBody>
+          <a:bodyPr rtlCol="0" anchor="ctr"/>
+          <a:lstStyle/>
+          <a:p>
+            <a:pPr algn="ctr"/>
+            <a:endParaRPr lang="en-US"/>
+          </a:p>
+        </p:txBody>
+      </p:sp>
+      <p:sp>
+        <p:nvSpPr>
+          <p:cNvPr id="10" name="TextBox 9">
+            <a:extLst>
+              <a:ext uri="{FF2B5EF4-FFF2-40B4-BE49-F238E27FC236}">
+                <a16:creationId xmlns:a16="http://schemas.microsoft.com/office/drawing/2014/main" id="{DCB81EB7-2E8E-8B4B-BCC4-171165636E6D}"/>
               </a:ext>
             </a:extLst>
           </p:cNvPr>
@@ -3336,8 +3935,8 @@
         </p:nvSpPr>
         <p:spPr>
           <a:xfrm>
-            <a:off x="542260" y="425302"/>
-            <a:ext cx="2353340" cy="369332"/>
+            <a:off x="204395" y="204618"/>
+            <a:ext cx="11987605" cy="646331"/>
           </a:xfrm>
           <a:prstGeom prst="rect">
             <a:avLst/>
@@ -3350,19 +3949,67 @@
           </a:bodyPr>
           <a:lstStyle/>
           <a:p>
-            <a:r>
-              <a:rPr lang="en-US" dirty="0"/>
-              <a:t>Seasonal environments</a:t>
-            </a:r>
-          </a:p>
-        </p:txBody>
-      </p:sp>
-      <p:sp>
-        <p:nvSpPr>
-          <p:cNvPr id="7" name="TextBox 6">
-            <a:extLst>
-              <a:ext uri="{FF2B5EF4-FFF2-40B4-BE49-F238E27FC236}">
-                <a16:creationId xmlns:a16="http://schemas.microsoft.com/office/drawing/2014/main" id="{01E1B3F0-DC8D-F240-B498-7F85D85C73B3}"/>
+            <a:pPr algn="ctr"/>
+            <a:r>
+              <a:rPr lang="en-US" sz="3600" dirty="0">
+                <a:solidFill>
+                  <a:schemeClr val="accent2">
+                    <a:lumMod val="60000"/>
+                    <a:lumOff val="40000"/>
+                  </a:schemeClr>
+                </a:solidFill>
+              </a:rPr>
+              <a:t>How do spectrum richness and temperature affect body size?</a:t>
+            </a:r>
+            <a:endParaRPr lang="en-US" sz="3200" dirty="0">
+              <a:solidFill>
+                <a:schemeClr val="accent2">
+                  <a:lumMod val="60000"/>
+                  <a:lumOff val="40000"/>
+                </a:schemeClr>
+              </a:solidFill>
+              <a:latin typeface="Calibri" panose="020F0502020204030204" pitchFamily="34" charset="0"/>
+              <a:cs typeface="Calibri" panose="020F0502020204030204" pitchFamily="34" charset="0"/>
+            </a:endParaRPr>
+          </a:p>
+        </p:txBody>
+      </p:sp>
+      <p:pic>
+        <p:nvPicPr>
+          <p:cNvPr id="15" name="Picture 14">
+            <a:extLst>
+              <a:ext uri="{FF2B5EF4-FFF2-40B4-BE49-F238E27FC236}">
+                <a16:creationId xmlns:a16="http://schemas.microsoft.com/office/drawing/2014/main" id="{A1C3915A-71C0-7D4B-8EFF-7A56AA5DCEA4}"/>
+              </a:ext>
+            </a:extLst>
+          </p:cNvPr>
+          <p:cNvPicPr>
+            <a:picLocks noChangeAspect="1"/>
+          </p:cNvPicPr>
+          <p:nvPr/>
+        </p:nvPicPr>
+        <p:blipFill>
+          <a:blip r:embed="rId3"/>
+          <a:stretch>
+            <a:fillRect/>
+          </a:stretch>
+        </p:blipFill>
+        <p:spPr>
+          <a:xfrm>
+            <a:off x="3752850" y="476250"/>
+            <a:ext cx="4686300" cy="5905500"/>
+          </a:xfrm>
+          <a:prstGeom prst="rect">
+            <a:avLst/>
+          </a:prstGeom>
+        </p:spPr>
+      </p:pic>
+      <p:sp>
+        <p:nvSpPr>
+          <p:cNvPr id="16" name="TextBox 15">
+            <a:extLst>
+              <a:ext uri="{FF2B5EF4-FFF2-40B4-BE49-F238E27FC236}">
+                <a16:creationId xmlns:a16="http://schemas.microsoft.com/office/drawing/2014/main" id="{80BF47BF-A51F-E640-96D1-A0CF450EBDCB}"/>
               </a:ext>
             </a:extLst>
           </p:cNvPr>
@@ -3371,8 +4018,8 @@
         </p:nvSpPr>
         <p:spPr>
           <a:xfrm>
-            <a:off x="4607442" y="2278910"/>
-            <a:ext cx="2353340" cy="369332"/>
+            <a:off x="6096000" y="3851238"/>
+            <a:ext cx="1968649" cy="1477328"/>
           </a:xfrm>
           <a:prstGeom prst="rect">
             <a:avLst/>
@@ -3385,19 +4032,98 @@
           </a:bodyPr>
           <a:lstStyle/>
           <a:p>
+            <a:pPr algn="ctr"/>
             <a:r>
               <a:rPr lang="en-US" dirty="0"/>
-              <a:t>Low mortality</a:t>
-            </a:r>
-          </a:p>
-        </p:txBody>
-      </p:sp>
+              <a:t>Each dot is the maximum body size from a different run of the model</a:t>
+            </a:r>
+          </a:p>
+        </p:txBody>
+      </p:sp>
+      <p:sp>
+        <p:nvSpPr>
+          <p:cNvPr id="18" name="TextBox 17">
+            <a:extLst>
+              <a:ext uri="{FF2B5EF4-FFF2-40B4-BE49-F238E27FC236}">
+                <a16:creationId xmlns:a16="http://schemas.microsoft.com/office/drawing/2014/main" id="{CBF926E2-118F-7B4D-ADA3-1A8768C525AA}"/>
+              </a:ext>
+            </a:extLst>
+          </p:cNvPr>
+          <p:cNvSpPr txBox="1"/>
+          <p:nvPr/>
+        </p:nvSpPr>
+        <p:spPr>
+          <a:xfrm>
+            <a:off x="4572000" y="1710466"/>
+            <a:ext cx="1818042" cy="369332"/>
+          </a:xfrm>
+          <a:prstGeom prst="rect">
+            <a:avLst/>
+          </a:prstGeom>
+          <a:noFill/>
+        </p:spPr>
+        <p:txBody>
+          <a:bodyPr wrap="square" rtlCol="0">
+            <a:spAutoFit/>
+          </a:bodyPr>
+          <a:lstStyle/>
+          <a:p>
+            <a:pPr algn="r"/>
+            <a:r>
+              <a:rPr lang="en-US" b="1" dirty="0">
+                <a:solidFill>
+                  <a:srgbClr val="ADD8E6"/>
+                </a:solidFill>
+              </a:rPr>
+              <a:t>Cool </a:t>
+            </a:r>
+          </a:p>
+        </p:txBody>
+      </p:sp>
+    </p:spTree>
+    <p:extLst>
+      <p:ext uri="{BB962C8B-B14F-4D97-AF65-F5344CB8AC3E}">
+        <p14:creationId xmlns:p14="http://schemas.microsoft.com/office/powerpoint/2010/main" val="1347646938"/>
+      </p:ext>
+    </p:extLst>
+  </p:cSld>
+  <p:clrMapOvr>
+    <a:masterClrMapping/>
+  </p:clrMapOvr>
+</p:sld>
+</file>
+
+<file path=ppt/slides/slide10.xml><?xml version="1.0" encoding="utf-8"?>
+<p:sld xmlns:a="http://schemas.openxmlformats.org/drawingml/2006/main" xmlns:r="http://schemas.openxmlformats.org/officeDocument/2006/relationships" xmlns:p="http://schemas.openxmlformats.org/presentationml/2006/main">
+  <p:cSld>
+    <p:bg>
+      <p:bgPr>
+        <a:solidFill>
+          <a:schemeClr val="bg1"/>
+        </a:solidFill>
+        <a:effectLst/>
+      </p:bgPr>
+    </p:bg>
+    <p:spTree>
+      <p:nvGrpSpPr>
+        <p:cNvPr id="1" name=""/>
+        <p:cNvGrpSpPr/>
+        <p:nvPr/>
+      </p:nvGrpSpPr>
+      <p:grpSpPr>
+        <a:xfrm>
+          <a:off x="0" y="0"/>
+          <a:ext cx="0" cy="0"/>
+          <a:chOff x="0" y="0"/>
+          <a:chExt cx="0" cy="0"/>
+        </a:xfrm>
+      </p:grpSpPr>
       <p:pic>
         <p:nvPicPr>
-          <p:cNvPr id="9" name="Picture 8">
-            <a:extLst>
-              <a:ext uri="{FF2B5EF4-FFF2-40B4-BE49-F238E27FC236}">
-                <a16:creationId xmlns:a16="http://schemas.microsoft.com/office/drawing/2014/main" id="{7992BE18-CB8B-C347-A155-8DEA4D82269B}"/>
+          <p:cNvPr id="2" name="Picture 1">
+            <a:extLst>
+              <a:ext uri="{FF2B5EF4-FFF2-40B4-BE49-F238E27FC236}">
+                <a16:creationId xmlns:a16="http://schemas.microsoft.com/office/drawing/2014/main" id="{D719F618-0AB1-FC44-8B56-9A581EEDD68B}"/>
               </a:ext>
             </a:extLst>
           </p:cNvPr>
@@ -3414,14 +4140,2437 @@
         </p:blipFill>
         <p:spPr>
           <a:xfrm>
-            <a:off x="2895600" y="228600"/>
-            <a:ext cx="6400800" cy="6400800"/>
+            <a:off x="3073728" y="0"/>
+            <a:ext cx="2216823" cy="6858000"/>
           </a:xfrm>
           <a:prstGeom prst="rect">
             <a:avLst/>
           </a:prstGeom>
         </p:spPr>
       </p:pic>
+      <p:pic>
+        <p:nvPicPr>
+          <p:cNvPr id="3" name="Picture 2">
+            <a:extLst>
+              <a:ext uri="{FF2B5EF4-FFF2-40B4-BE49-F238E27FC236}">
+                <a16:creationId xmlns:a16="http://schemas.microsoft.com/office/drawing/2014/main" id="{62FC9AA2-A272-A84E-B2C0-7B31EE0A0907}"/>
+              </a:ext>
+            </a:extLst>
+          </p:cNvPr>
+          <p:cNvPicPr>
+            <a:picLocks noChangeAspect="1"/>
+          </p:cNvPicPr>
+          <p:nvPr/>
+        </p:nvPicPr>
+        <p:blipFill>
+          <a:blip r:embed="rId3"/>
+          <a:stretch>
+            <a:fillRect/>
+          </a:stretch>
+        </p:blipFill>
+        <p:spPr>
+          <a:xfrm>
+            <a:off x="755830" y="0"/>
+            <a:ext cx="2216823" cy="6858000"/>
+          </a:xfrm>
+          <a:prstGeom prst="rect">
+            <a:avLst/>
+          </a:prstGeom>
+        </p:spPr>
+      </p:pic>
+      <p:sp>
+        <p:nvSpPr>
+          <p:cNvPr id="4" name="TextBox 3">
+            <a:extLst>
+              <a:ext uri="{FF2B5EF4-FFF2-40B4-BE49-F238E27FC236}">
+                <a16:creationId xmlns:a16="http://schemas.microsoft.com/office/drawing/2014/main" id="{C8FCB70F-876D-714D-9438-D9BE86E2C318}"/>
+              </a:ext>
+            </a:extLst>
+          </p:cNvPr>
+          <p:cNvSpPr txBox="1"/>
+          <p:nvPr/>
+        </p:nvSpPr>
+        <p:spPr>
+          <a:xfrm>
+            <a:off x="5098639" y="85060"/>
+            <a:ext cx="1637414" cy="1200329"/>
+          </a:xfrm>
+          <a:prstGeom prst="rect">
+            <a:avLst/>
+          </a:prstGeom>
+          <a:noFill/>
+        </p:spPr>
+        <p:txBody>
+          <a:bodyPr wrap="square" rtlCol="0">
+            <a:spAutoFit/>
+          </a:bodyPr>
+          <a:lstStyle/>
+          <a:p>
+            <a:r>
+              <a:rPr lang="en-US" dirty="0"/>
+              <a:t>290 K</a:t>
+            </a:r>
+          </a:p>
+          <a:p>
+            <a:endParaRPr lang="en-US" dirty="0"/>
+          </a:p>
+          <a:p>
+            <a:r>
+              <a:rPr lang="en-US" dirty="0"/>
+              <a:t>Seasonal environment</a:t>
+            </a:r>
+          </a:p>
+        </p:txBody>
+      </p:sp>
+      <p:sp>
+        <p:nvSpPr>
+          <p:cNvPr id="7" name="TextBox 6">
+            <a:extLst>
+              <a:ext uri="{FF2B5EF4-FFF2-40B4-BE49-F238E27FC236}">
+                <a16:creationId xmlns:a16="http://schemas.microsoft.com/office/drawing/2014/main" id="{FDD41B8C-22FA-DF4C-9960-7875AEF600E5}"/>
+              </a:ext>
+            </a:extLst>
+          </p:cNvPr>
+          <p:cNvSpPr txBox="1"/>
+          <p:nvPr/>
+        </p:nvSpPr>
+        <p:spPr>
+          <a:xfrm>
+            <a:off x="128339" y="528637"/>
+            <a:ext cx="576953" cy="646331"/>
+          </a:xfrm>
+          <a:prstGeom prst="rect">
+            <a:avLst/>
+          </a:prstGeom>
+          <a:noFill/>
+        </p:spPr>
+        <p:txBody>
+          <a:bodyPr wrap="none" rtlCol="0">
+            <a:spAutoFit/>
+          </a:bodyPr>
+          <a:lstStyle/>
+          <a:p>
+            <a:pPr algn="ctr"/>
+            <a:r>
+              <a:rPr lang="en-US" b="1" dirty="0"/>
+              <a:t>Low</a:t>
+            </a:r>
+          </a:p>
+          <a:p>
+            <a:pPr algn="ctr"/>
+            <a:r>
+              <a:rPr lang="en-US" b="1" dirty="0"/>
+              <a:t> </a:t>
+            </a:r>
+            <a:r>
+              <a:rPr lang="en-US" b="1" dirty="0">
+                <a:latin typeface="Times" pitchFamily="2" charset="0"/>
+              </a:rPr>
+              <a:t>K</a:t>
+            </a:r>
+          </a:p>
+        </p:txBody>
+      </p:sp>
+      <p:cxnSp>
+        <p:nvCxnSpPr>
+          <p:cNvPr id="9" name="Straight Arrow Connector 8">
+            <a:extLst>
+              <a:ext uri="{FF2B5EF4-FFF2-40B4-BE49-F238E27FC236}">
+                <a16:creationId xmlns:a16="http://schemas.microsoft.com/office/drawing/2014/main" id="{571F2D17-366F-534C-A6E6-B1E358B6FFFE}"/>
+              </a:ext>
+            </a:extLst>
+          </p:cNvPr>
+          <p:cNvCxnSpPr/>
+          <p:nvPr/>
+        </p:nvCxnSpPr>
+        <p:spPr>
+          <a:xfrm>
+            <a:off x="416815" y="1174968"/>
+            <a:ext cx="0" cy="4568607"/>
+          </a:xfrm>
+          <a:prstGeom prst="straightConnector1">
+            <a:avLst/>
+          </a:prstGeom>
+          <a:ln>
+            <a:solidFill>
+              <a:schemeClr val="tx1"/>
+            </a:solidFill>
+            <a:tailEnd type="triangle"/>
+          </a:ln>
+        </p:spPr>
+        <p:style>
+          <a:lnRef idx="1">
+            <a:schemeClr val="accent1"/>
+          </a:lnRef>
+          <a:fillRef idx="0">
+            <a:schemeClr val="accent1"/>
+          </a:fillRef>
+          <a:effectRef idx="0">
+            <a:schemeClr val="accent1"/>
+          </a:effectRef>
+          <a:fontRef idx="minor">
+            <a:schemeClr val="tx1"/>
+          </a:fontRef>
+        </p:style>
+      </p:cxnSp>
+      <p:sp>
+        <p:nvSpPr>
+          <p:cNvPr id="10" name="TextBox 9">
+            <a:extLst>
+              <a:ext uri="{FF2B5EF4-FFF2-40B4-BE49-F238E27FC236}">
+                <a16:creationId xmlns:a16="http://schemas.microsoft.com/office/drawing/2014/main" id="{0DDAD511-BC23-024C-B6E1-2ACF19BF454D}"/>
+              </a:ext>
+            </a:extLst>
+          </p:cNvPr>
+          <p:cNvSpPr txBox="1"/>
+          <p:nvPr/>
+        </p:nvSpPr>
+        <p:spPr>
+          <a:xfrm>
+            <a:off x="94985" y="5867399"/>
+            <a:ext cx="625492" cy="646331"/>
+          </a:xfrm>
+          <a:prstGeom prst="rect">
+            <a:avLst/>
+          </a:prstGeom>
+          <a:noFill/>
+        </p:spPr>
+        <p:txBody>
+          <a:bodyPr wrap="none" rtlCol="0">
+            <a:spAutoFit/>
+          </a:bodyPr>
+          <a:lstStyle/>
+          <a:p>
+            <a:pPr algn="ctr"/>
+            <a:r>
+              <a:rPr lang="en-US" b="1" dirty="0"/>
+              <a:t>Med</a:t>
+            </a:r>
+          </a:p>
+          <a:p>
+            <a:pPr algn="ctr"/>
+            <a:r>
+              <a:rPr lang="en-US" b="1" dirty="0"/>
+              <a:t> </a:t>
+            </a:r>
+            <a:r>
+              <a:rPr lang="en-US" b="1" dirty="0">
+                <a:latin typeface="Times" pitchFamily="2" charset="0"/>
+              </a:rPr>
+              <a:t>K</a:t>
+            </a:r>
+          </a:p>
+        </p:txBody>
+      </p:sp>
+      <p:sp>
+        <p:nvSpPr>
+          <p:cNvPr id="11" name="TextBox 10">
+            <a:extLst>
+              <a:ext uri="{FF2B5EF4-FFF2-40B4-BE49-F238E27FC236}">
+                <a16:creationId xmlns:a16="http://schemas.microsoft.com/office/drawing/2014/main" id="{4B0FA8BD-D0E7-464D-94C5-66FCE2CC0D73}"/>
+              </a:ext>
+            </a:extLst>
+          </p:cNvPr>
+          <p:cNvSpPr txBox="1"/>
+          <p:nvPr/>
+        </p:nvSpPr>
+        <p:spPr>
+          <a:xfrm>
+            <a:off x="3653137" y="85060"/>
+            <a:ext cx="1314450" cy="261610"/>
+          </a:xfrm>
+          <a:prstGeom prst="rect">
+            <a:avLst/>
+          </a:prstGeom>
+          <a:solidFill>
+            <a:schemeClr val="bg1"/>
+          </a:solidFill>
+        </p:spPr>
+        <p:txBody>
+          <a:bodyPr wrap="square" rtlCol="0">
+            <a:spAutoFit/>
+          </a:bodyPr>
+          <a:lstStyle/>
+          <a:p>
+            <a:pPr algn="ctr"/>
+            <a:r>
+              <a:rPr lang="en-US" sz="1100" dirty="0"/>
+              <a:t>Reproduction</a:t>
+            </a:r>
+          </a:p>
+        </p:txBody>
+      </p:sp>
+      <p:sp>
+        <p:nvSpPr>
+          <p:cNvPr id="12" name="TextBox 11">
+            <a:extLst>
+              <a:ext uri="{FF2B5EF4-FFF2-40B4-BE49-F238E27FC236}">
+                <a16:creationId xmlns:a16="http://schemas.microsoft.com/office/drawing/2014/main" id="{0DDD96BC-C206-8240-A7E9-84C9EAAF2D8B}"/>
+              </a:ext>
+            </a:extLst>
+          </p:cNvPr>
+          <p:cNvSpPr txBox="1"/>
+          <p:nvPr/>
+        </p:nvSpPr>
+        <p:spPr>
+          <a:xfrm>
+            <a:off x="3653137" y="1772165"/>
+            <a:ext cx="1314450" cy="261610"/>
+          </a:xfrm>
+          <a:prstGeom prst="rect">
+            <a:avLst/>
+          </a:prstGeom>
+          <a:solidFill>
+            <a:schemeClr val="bg1"/>
+          </a:solidFill>
+        </p:spPr>
+        <p:txBody>
+          <a:bodyPr wrap="square" rtlCol="0">
+            <a:spAutoFit/>
+          </a:bodyPr>
+          <a:lstStyle/>
+          <a:p>
+            <a:pPr algn="ctr"/>
+            <a:r>
+              <a:rPr lang="en-US" sz="1100" dirty="0"/>
+              <a:t>Reproduction</a:t>
+            </a:r>
+          </a:p>
+        </p:txBody>
+      </p:sp>
+      <p:sp>
+        <p:nvSpPr>
+          <p:cNvPr id="13" name="TextBox 12">
+            <a:extLst>
+              <a:ext uri="{FF2B5EF4-FFF2-40B4-BE49-F238E27FC236}">
+                <a16:creationId xmlns:a16="http://schemas.microsoft.com/office/drawing/2014/main" id="{EEACFED4-2852-D34F-9D21-BE7FF46CC4FE}"/>
+              </a:ext>
+            </a:extLst>
+          </p:cNvPr>
+          <p:cNvSpPr txBox="1"/>
+          <p:nvPr/>
+        </p:nvSpPr>
+        <p:spPr>
+          <a:xfrm>
+            <a:off x="3653137" y="3478930"/>
+            <a:ext cx="1314450" cy="261610"/>
+          </a:xfrm>
+          <a:prstGeom prst="rect">
+            <a:avLst/>
+          </a:prstGeom>
+          <a:solidFill>
+            <a:schemeClr val="bg1"/>
+          </a:solidFill>
+        </p:spPr>
+        <p:txBody>
+          <a:bodyPr wrap="square" rtlCol="0">
+            <a:spAutoFit/>
+          </a:bodyPr>
+          <a:lstStyle/>
+          <a:p>
+            <a:pPr algn="ctr"/>
+            <a:r>
+              <a:rPr lang="en-US" sz="1100" dirty="0"/>
+              <a:t>Reproduction</a:t>
+            </a:r>
+          </a:p>
+        </p:txBody>
+      </p:sp>
+      <p:sp>
+        <p:nvSpPr>
+          <p:cNvPr id="14" name="TextBox 13">
+            <a:extLst>
+              <a:ext uri="{FF2B5EF4-FFF2-40B4-BE49-F238E27FC236}">
+                <a16:creationId xmlns:a16="http://schemas.microsoft.com/office/drawing/2014/main" id="{98E78585-5E0A-4749-BA7C-89D43B0B0311}"/>
+              </a:ext>
+            </a:extLst>
+          </p:cNvPr>
+          <p:cNvSpPr txBox="1"/>
+          <p:nvPr/>
+        </p:nvSpPr>
+        <p:spPr>
+          <a:xfrm>
+            <a:off x="3653137" y="5185695"/>
+            <a:ext cx="1314450" cy="261610"/>
+          </a:xfrm>
+          <a:prstGeom prst="rect">
+            <a:avLst/>
+          </a:prstGeom>
+          <a:solidFill>
+            <a:schemeClr val="bg1"/>
+          </a:solidFill>
+        </p:spPr>
+        <p:txBody>
+          <a:bodyPr wrap="square" rtlCol="0">
+            <a:spAutoFit/>
+          </a:bodyPr>
+          <a:lstStyle/>
+          <a:p>
+            <a:pPr algn="ctr"/>
+            <a:r>
+              <a:rPr lang="en-US" sz="1100" dirty="0"/>
+              <a:t>Reproduction</a:t>
+            </a:r>
+          </a:p>
+        </p:txBody>
+      </p:sp>
+    </p:spTree>
+    <p:extLst>
+      <p:ext uri="{BB962C8B-B14F-4D97-AF65-F5344CB8AC3E}">
+        <p14:creationId xmlns:p14="http://schemas.microsoft.com/office/powerpoint/2010/main" val="3474647296"/>
+      </p:ext>
+    </p:extLst>
+  </p:cSld>
+  <p:clrMapOvr>
+    <a:masterClrMapping/>
+  </p:clrMapOvr>
+</p:sld>
+</file>
+
+<file path=ppt/slides/slide11.xml><?xml version="1.0" encoding="utf-8"?>
+<p:sld xmlns:a="http://schemas.openxmlformats.org/drawingml/2006/main" xmlns:r="http://schemas.openxmlformats.org/officeDocument/2006/relationships" xmlns:p="http://schemas.openxmlformats.org/presentationml/2006/main">
+  <p:cSld>
+    <p:bg>
+      <p:bgPr>
+        <a:solidFill>
+          <a:schemeClr val="bg1"/>
+        </a:solidFill>
+        <a:effectLst/>
+      </p:bgPr>
+    </p:bg>
+    <p:spTree>
+      <p:nvGrpSpPr>
+        <p:cNvPr id="1" name=""/>
+        <p:cNvGrpSpPr/>
+        <p:nvPr/>
+      </p:nvGrpSpPr>
+      <p:grpSpPr>
+        <a:xfrm>
+          <a:off x="0" y="0"/>
+          <a:ext cx="0" cy="0"/>
+          <a:chOff x="0" y="0"/>
+          <a:chExt cx="0" cy="0"/>
+        </a:xfrm>
+      </p:grpSpPr>
+      <p:pic>
+        <p:nvPicPr>
+          <p:cNvPr id="2" name="Picture 1">
+            <a:extLst>
+              <a:ext uri="{FF2B5EF4-FFF2-40B4-BE49-F238E27FC236}">
+                <a16:creationId xmlns:a16="http://schemas.microsoft.com/office/drawing/2014/main" id="{D719F618-0AB1-FC44-8B56-9A581EEDD68B}"/>
+              </a:ext>
+            </a:extLst>
+          </p:cNvPr>
+          <p:cNvPicPr>
+            <a:picLocks noChangeAspect="1"/>
+          </p:cNvPicPr>
+          <p:nvPr/>
+        </p:nvPicPr>
+        <p:blipFill>
+          <a:blip r:embed="rId2"/>
+          <a:stretch>
+            <a:fillRect/>
+          </a:stretch>
+        </p:blipFill>
+        <p:spPr>
+          <a:xfrm>
+            <a:off x="3073728" y="0"/>
+            <a:ext cx="2216823" cy="6858000"/>
+          </a:xfrm>
+          <a:prstGeom prst="rect">
+            <a:avLst/>
+          </a:prstGeom>
+        </p:spPr>
+      </p:pic>
+      <p:pic>
+        <p:nvPicPr>
+          <p:cNvPr id="3" name="Picture 2">
+            <a:extLst>
+              <a:ext uri="{FF2B5EF4-FFF2-40B4-BE49-F238E27FC236}">
+                <a16:creationId xmlns:a16="http://schemas.microsoft.com/office/drawing/2014/main" id="{62FC9AA2-A272-A84E-B2C0-7B31EE0A0907}"/>
+              </a:ext>
+            </a:extLst>
+          </p:cNvPr>
+          <p:cNvPicPr>
+            <a:picLocks noChangeAspect="1"/>
+          </p:cNvPicPr>
+          <p:nvPr/>
+        </p:nvPicPr>
+        <p:blipFill>
+          <a:blip r:embed="rId3"/>
+          <a:stretch>
+            <a:fillRect/>
+          </a:stretch>
+        </p:blipFill>
+        <p:spPr>
+          <a:xfrm>
+            <a:off x="755830" y="0"/>
+            <a:ext cx="2216823" cy="6858000"/>
+          </a:xfrm>
+          <a:prstGeom prst="rect">
+            <a:avLst/>
+          </a:prstGeom>
+        </p:spPr>
+      </p:pic>
+      <p:sp>
+        <p:nvSpPr>
+          <p:cNvPr id="4" name="TextBox 3">
+            <a:extLst>
+              <a:ext uri="{FF2B5EF4-FFF2-40B4-BE49-F238E27FC236}">
+                <a16:creationId xmlns:a16="http://schemas.microsoft.com/office/drawing/2014/main" id="{C8FCB70F-876D-714D-9438-D9BE86E2C318}"/>
+              </a:ext>
+            </a:extLst>
+          </p:cNvPr>
+          <p:cNvSpPr txBox="1"/>
+          <p:nvPr/>
+        </p:nvSpPr>
+        <p:spPr>
+          <a:xfrm>
+            <a:off x="5098639" y="85060"/>
+            <a:ext cx="1637414" cy="1200329"/>
+          </a:xfrm>
+          <a:prstGeom prst="rect">
+            <a:avLst/>
+          </a:prstGeom>
+          <a:noFill/>
+        </p:spPr>
+        <p:txBody>
+          <a:bodyPr wrap="square" rtlCol="0">
+            <a:spAutoFit/>
+          </a:bodyPr>
+          <a:lstStyle/>
+          <a:p>
+            <a:r>
+              <a:rPr lang="en-US" dirty="0"/>
+              <a:t>290 K</a:t>
+            </a:r>
+          </a:p>
+          <a:p>
+            <a:endParaRPr lang="en-US" dirty="0"/>
+          </a:p>
+          <a:p>
+            <a:r>
+              <a:rPr lang="en-US" dirty="0"/>
+              <a:t>Seasonal environment</a:t>
+            </a:r>
+          </a:p>
+        </p:txBody>
+      </p:sp>
+      <p:pic>
+        <p:nvPicPr>
+          <p:cNvPr id="5" name="Picture 4">
+            <a:extLst>
+              <a:ext uri="{FF2B5EF4-FFF2-40B4-BE49-F238E27FC236}">
+                <a16:creationId xmlns:a16="http://schemas.microsoft.com/office/drawing/2014/main" id="{94D0D4E6-5589-3B4A-91A6-44A1CB4B8439}"/>
+              </a:ext>
+            </a:extLst>
+          </p:cNvPr>
+          <p:cNvPicPr>
+            <a:picLocks noChangeAspect="1"/>
+          </p:cNvPicPr>
+          <p:nvPr/>
+        </p:nvPicPr>
+        <p:blipFill>
+          <a:blip r:embed="rId4"/>
+          <a:stretch>
+            <a:fillRect/>
+          </a:stretch>
+        </p:blipFill>
+        <p:spPr>
+          <a:xfrm>
+            <a:off x="7076820" y="-79745"/>
+            <a:ext cx="2216823" cy="6858000"/>
+          </a:xfrm>
+          <a:prstGeom prst="rect">
+            <a:avLst/>
+          </a:prstGeom>
+        </p:spPr>
+      </p:pic>
+      <p:pic>
+        <p:nvPicPr>
+          <p:cNvPr id="6" name="Picture 5">
+            <a:extLst>
+              <a:ext uri="{FF2B5EF4-FFF2-40B4-BE49-F238E27FC236}">
+                <a16:creationId xmlns:a16="http://schemas.microsoft.com/office/drawing/2014/main" id="{8CABEBFF-DCFC-724F-B7A1-BD992B3940A2}"/>
+              </a:ext>
+            </a:extLst>
+          </p:cNvPr>
+          <p:cNvPicPr>
+            <a:picLocks noChangeAspect="1"/>
+          </p:cNvPicPr>
+          <p:nvPr/>
+        </p:nvPicPr>
+        <p:blipFill>
+          <a:blip r:embed="rId5"/>
+          <a:stretch>
+            <a:fillRect/>
+          </a:stretch>
+        </p:blipFill>
+        <p:spPr>
+          <a:xfrm>
+            <a:off x="9975177" y="-99015"/>
+            <a:ext cx="2216823" cy="6858000"/>
+          </a:xfrm>
+          <a:prstGeom prst="rect">
+            <a:avLst/>
+          </a:prstGeom>
+        </p:spPr>
+      </p:pic>
+      <p:sp>
+        <p:nvSpPr>
+          <p:cNvPr id="7" name="TextBox 6">
+            <a:extLst>
+              <a:ext uri="{FF2B5EF4-FFF2-40B4-BE49-F238E27FC236}">
+                <a16:creationId xmlns:a16="http://schemas.microsoft.com/office/drawing/2014/main" id="{04D038BD-9BEC-F74C-9FCE-98E29CAFA09F}"/>
+              </a:ext>
+            </a:extLst>
+          </p:cNvPr>
+          <p:cNvSpPr txBox="1"/>
+          <p:nvPr/>
+        </p:nvSpPr>
+        <p:spPr>
+          <a:xfrm>
+            <a:off x="128339" y="528637"/>
+            <a:ext cx="576953" cy="646331"/>
+          </a:xfrm>
+          <a:prstGeom prst="rect">
+            <a:avLst/>
+          </a:prstGeom>
+          <a:noFill/>
+        </p:spPr>
+        <p:txBody>
+          <a:bodyPr wrap="none" rtlCol="0">
+            <a:spAutoFit/>
+          </a:bodyPr>
+          <a:lstStyle/>
+          <a:p>
+            <a:pPr algn="ctr"/>
+            <a:r>
+              <a:rPr lang="en-US" b="1" dirty="0"/>
+              <a:t>Low</a:t>
+            </a:r>
+          </a:p>
+          <a:p>
+            <a:pPr algn="ctr"/>
+            <a:r>
+              <a:rPr lang="en-US" b="1" dirty="0"/>
+              <a:t> </a:t>
+            </a:r>
+            <a:r>
+              <a:rPr lang="en-US" b="1" dirty="0">
+                <a:latin typeface="Times" pitchFamily="2" charset="0"/>
+              </a:rPr>
+              <a:t>K</a:t>
+            </a:r>
+          </a:p>
+        </p:txBody>
+      </p:sp>
+      <p:cxnSp>
+        <p:nvCxnSpPr>
+          <p:cNvPr id="8" name="Straight Arrow Connector 7">
+            <a:extLst>
+              <a:ext uri="{FF2B5EF4-FFF2-40B4-BE49-F238E27FC236}">
+                <a16:creationId xmlns:a16="http://schemas.microsoft.com/office/drawing/2014/main" id="{018DC071-6988-2C41-803A-F20B0E663E09}"/>
+              </a:ext>
+            </a:extLst>
+          </p:cNvPr>
+          <p:cNvCxnSpPr/>
+          <p:nvPr/>
+        </p:nvCxnSpPr>
+        <p:spPr>
+          <a:xfrm>
+            <a:off x="416815" y="1174968"/>
+            <a:ext cx="0" cy="4568607"/>
+          </a:xfrm>
+          <a:prstGeom prst="straightConnector1">
+            <a:avLst/>
+          </a:prstGeom>
+          <a:ln>
+            <a:solidFill>
+              <a:schemeClr val="tx1"/>
+            </a:solidFill>
+            <a:tailEnd type="triangle"/>
+          </a:ln>
+        </p:spPr>
+        <p:style>
+          <a:lnRef idx="1">
+            <a:schemeClr val="accent1"/>
+          </a:lnRef>
+          <a:fillRef idx="0">
+            <a:schemeClr val="accent1"/>
+          </a:fillRef>
+          <a:effectRef idx="0">
+            <a:schemeClr val="accent1"/>
+          </a:effectRef>
+          <a:fontRef idx="minor">
+            <a:schemeClr val="tx1"/>
+          </a:fontRef>
+        </p:style>
+      </p:cxnSp>
+      <p:sp>
+        <p:nvSpPr>
+          <p:cNvPr id="9" name="TextBox 8">
+            <a:extLst>
+              <a:ext uri="{FF2B5EF4-FFF2-40B4-BE49-F238E27FC236}">
+                <a16:creationId xmlns:a16="http://schemas.microsoft.com/office/drawing/2014/main" id="{A806EC95-55C7-9343-9C35-010AF4E3B8BE}"/>
+              </a:ext>
+            </a:extLst>
+          </p:cNvPr>
+          <p:cNvSpPr txBox="1"/>
+          <p:nvPr/>
+        </p:nvSpPr>
+        <p:spPr>
+          <a:xfrm>
+            <a:off x="94985" y="5867399"/>
+            <a:ext cx="625492" cy="646331"/>
+          </a:xfrm>
+          <a:prstGeom prst="rect">
+            <a:avLst/>
+          </a:prstGeom>
+          <a:noFill/>
+        </p:spPr>
+        <p:txBody>
+          <a:bodyPr wrap="none" rtlCol="0">
+            <a:spAutoFit/>
+          </a:bodyPr>
+          <a:lstStyle/>
+          <a:p>
+            <a:pPr algn="ctr"/>
+            <a:r>
+              <a:rPr lang="en-US" b="1" dirty="0"/>
+              <a:t>Med</a:t>
+            </a:r>
+          </a:p>
+          <a:p>
+            <a:pPr algn="ctr"/>
+            <a:r>
+              <a:rPr lang="en-US" b="1" dirty="0"/>
+              <a:t> </a:t>
+            </a:r>
+            <a:r>
+              <a:rPr lang="en-US" b="1" dirty="0">
+                <a:latin typeface="Times" pitchFamily="2" charset="0"/>
+              </a:rPr>
+              <a:t>K</a:t>
+            </a:r>
+          </a:p>
+        </p:txBody>
+      </p:sp>
+      <p:sp>
+        <p:nvSpPr>
+          <p:cNvPr id="10" name="TextBox 9">
+            <a:extLst>
+              <a:ext uri="{FF2B5EF4-FFF2-40B4-BE49-F238E27FC236}">
+                <a16:creationId xmlns:a16="http://schemas.microsoft.com/office/drawing/2014/main" id="{593BA42D-EA23-594A-ACE1-AA9B0696FE22}"/>
+              </a:ext>
+            </a:extLst>
+          </p:cNvPr>
+          <p:cNvSpPr txBox="1"/>
+          <p:nvPr/>
+        </p:nvSpPr>
+        <p:spPr>
+          <a:xfrm>
+            <a:off x="6346663" y="432817"/>
+            <a:ext cx="740908" cy="646331"/>
+          </a:xfrm>
+          <a:prstGeom prst="rect">
+            <a:avLst/>
+          </a:prstGeom>
+          <a:noFill/>
+        </p:spPr>
+        <p:txBody>
+          <a:bodyPr wrap="none" rtlCol="0">
+            <a:spAutoFit/>
+          </a:bodyPr>
+          <a:lstStyle/>
+          <a:p>
+            <a:pPr algn="ctr"/>
+            <a:r>
+              <a:rPr lang="en-US" b="1" dirty="0"/>
+              <a:t>Med+</a:t>
+            </a:r>
+          </a:p>
+          <a:p>
+            <a:pPr algn="ctr"/>
+            <a:r>
+              <a:rPr lang="en-US" b="1" dirty="0"/>
+              <a:t> </a:t>
+            </a:r>
+            <a:r>
+              <a:rPr lang="en-US" b="1" dirty="0">
+                <a:latin typeface="Times" pitchFamily="2" charset="0"/>
+              </a:rPr>
+              <a:t>K</a:t>
+            </a:r>
+          </a:p>
+        </p:txBody>
+      </p:sp>
+      <p:cxnSp>
+        <p:nvCxnSpPr>
+          <p:cNvPr id="11" name="Straight Arrow Connector 10">
+            <a:extLst>
+              <a:ext uri="{FF2B5EF4-FFF2-40B4-BE49-F238E27FC236}">
+                <a16:creationId xmlns:a16="http://schemas.microsoft.com/office/drawing/2014/main" id="{9AC23AE0-7A97-8B43-A515-39E3E96FC09C}"/>
+              </a:ext>
+            </a:extLst>
+          </p:cNvPr>
+          <p:cNvCxnSpPr/>
+          <p:nvPr/>
+        </p:nvCxnSpPr>
+        <p:spPr>
+          <a:xfrm>
+            <a:off x="6717116" y="1079148"/>
+            <a:ext cx="0" cy="4568607"/>
+          </a:xfrm>
+          <a:prstGeom prst="straightConnector1">
+            <a:avLst/>
+          </a:prstGeom>
+          <a:ln>
+            <a:solidFill>
+              <a:schemeClr val="tx1"/>
+            </a:solidFill>
+            <a:tailEnd type="triangle"/>
+          </a:ln>
+        </p:spPr>
+        <p:style>
+          <a:lnRef idx="1">
+            <a:schemeClr val="accent1"/>
+          </a:lnRef>
+          <a:fillRef idx="0">
+            <a:schemeClr val="accent1"/>
+          </a:fillRef>
+          <a:effectRef idx="0">
+            <a:schemeClr val="accent1"/>
+          </a:effectRef>
+          <a:fontRef idx="minor">
+            <a:schemeClr val="tx1"/>
+          </a:fontRef>
+        </p:style>
+      </p:cxnSp>
+      <p:sp>
+        <p:nvSpPr>
+          <p:cNvPr id="12" name="TextBox 11">
+            <a:extLst>
+              <a:ext uri="{FF2B5EF4-FFF2-40B4-BE49-F238E27FC236}">
+                <a16:creationId xmlns:a16="http://schemas.microsoft.com/office/drawing/2014/main" id="{6117BA62-5550-5648-A675-22D6ED460FE7}"/>
+              </a:ext>
+            </a:extLst>
+          </p:cNvPr>
+          <p:cNvSpPr txBox="1"/>
+          <p:nvPr/>
+        </p:nvSpPr>
+        <p:spPr>
+          <a:xfrm>
+            <a:off x="6398492" y="5771579"/>
+            <a:ext cx="619080" cy="646331"/>
+          </a:xfrm>
+          <a:prstGeom prst="rect">
+            <a:avLst/>
+          </a:prstGeom>
+          <a:noFill/>
+        </p:spPr>
+        <p:txBody>
+          <a:bodyPr wrap="none" rtlCol="0">
+            <a:spAutoFit/>
+          </a:bodyPr>
+          <a:lstStyle/>
+          <a:p>
+            <a:pPr algn="ctr"/>
+            <a:r>
+              <a:rPr lang="en-US" b="1" dirty="0"/>
+              <a:t>High</a:t>
+            </a:r>
+          </a:p>
+          <a:p>
+            <a:pPr algn="ctr"/>
+            <a:r>
+              <a:rPr lang="en-US" b="1" dirty="0"/>
+              <a:t> </a:t>
+            </a:r>
+            <a:r>
+              <a:rPr lang="en-US" b="1" dirty="0">
+                <a:latin typeface="Times" pitchFamily="2" charset="0"/>
+              </a:rPr>
+              <a:t>K</a:t>
+            </a:r>
+          </a:p>
+        </p:txBody>
+      </p:sp>
+      <p:grpSp>
+        <p:nvGrpSpPr>
+          <p:cNvPr id="17" name="Group 16">
+            <a:extLst>
+              <a:ext uri="{FF2B5EF4-FFF2-40B4-BE49-F238E27FC236}">
+                <a16:creationId xmlns:a16="http://schemas.microsoft.com/office/drawing/2014/main" id="{647FA4D3-69D3-3445-A47B-A78A6B352C60}"/>
+              </a:ext>
+            </a:extLst>
+          </p:cNvPr>
+          <p:cNvGrpSpPr/>
+          <p:nvPr/>
+        </p:nvGrpSpPr>
+        <p:grpSpPr>
+          <a:xfrm>
+            <a:off x="3653137" y="85060"/>
+            <a:ext cx="1314450" cy="5362245"/>
+            <a:chOff x="3653137" y="85060"/>
+            <a:chExt cx="1314450" cy="5362245"/>
+          </a:xfrm>
+        </p:grpSpPr>
+        <p:sp>
+          <p:nvSpPr>
+            <p:cNvPr id="13" name="TextBox 12">
+              <a:extLst>
+                <a:ext uri="{FF2B5EF4-FFF2-40B4-BE49-F238E27FC236}">
+                  <a16:creationId xmlns:a16="http://schemas.microsoft.com/office/drawing/2014/main" id="{2A116F6C-08CA-004D-9829-D8236C2F384F}"/>
+                </a:ext>
+              </a:extLst>
+            </p:cNvPr>
+            <p:cNvSpPr txBox="1"/>
+            <p:nvPr/>
+          </p:nvSpPr>
+          <p:spPr>
+            <a:xfrm>
+              <a:off x="3653137" y="85060"/>
+              <a:ext cx="1314450" cy="261610"/>
+            </a:xfrm>
+            <a:prstGeom prst="rect">
+              <a:avLst/>
+            </a:prstGeom>
+            <a:solidFill>
+              <a:schemeClr val="bg1"/>
+            </a:solidFill>
+          </p:spPr>
+          <p:txBody>
+            <a:bodyPr wrap="square" rtlCol="0">
+              <a:spAutoFit/>
+            </a:bodyPr>
+            <a:lstStyle/>
+            <a:p>
+              <a:pPr algn="ctr"/>
+              <a:r>
+                <a:rPr lang="en-US" sz="1100" dirty="0"/>
+                <a:t>Reproduction</a:t>
+              </a:r>
+            </a:p>
+          </p:txBody>
+        </p:sp>
+        <p:sp>
+          <p:nvSpPr>
+            <p:cNvPr id="14" name="TextBox 13">
+              <a:extLst>
+                <a:ext uri="{FF2B5EF4-FFF2-40B4-BE49-F238E27FC236}">
+                  <a16:creationId xmlns:a16="http://schemas.microsoft.com/office/drawing/2014/main" id="{0D6A0314-5161-1A4E-AAE6-46E24BA0B51F}"/>
+                </a:ext>
+              </a:extLst>
+            </p:cNvPr>
+            <p:cNvSpPr txBox="1"/>
+            <p:nvPr/>
+          </p:nvSpPr>
+          <p:spPr>
+            <a:xfrm>
+              <a:off x="3653137" y="1772165"/>
+              <a:ext cx="1314450" cy="261610"/>
+            </a:xfrm>
+            <a:prstGeom prst="rect">
+              <a:avLst/>
+            </a:prstGeom>
+            <a:solidFill>
+              <a:schemeClr val="bg1"/>
+            </a:solidFill>
+          </p:spPr>
+          <p:txBody>
+            <a:bodyPr wrap="square" rtlCol="0">
+              <a:spAutoFit/>
+            </a:bodyPr>
+            <a:lstStyle/>
+            <a:p>
+              <a:pPr algn="ctr"/>
+              <a:r>
+                <a:rPr lang="en-US" sz="1100" dirty="0"/>
+                <a:t>Reproduction</a:t>
+              </a:r>
+            </a:p>
+          </p:txBody>
+        </p:sp>
+        <p:sp>
+          <p:nvSpPr>
+            <p:cNvPr id="15" name="TextBox 14">
+              <a:extLst>
+                <a:ext uri="{FF2B5EF4-FFF2-40B4-BE49-F238E27FC236}">
+                  <a16:creationId xmlns:a16="http://schemas.microsoft.com/office/drawing/2014/main" id="{7EA4BCE2-8F70-D74D-BA6F-4F06F47CFA6B}"/>
+                </a:ext>
+              </a:extLst>
+            </p:cNvPr>
+            <p:cNvSpPr txBox="1"/>
+            <p:nvPr/>
+          </p:nvSpPr>
+          <p:spPr>
+            <a:xfrm>
+              <a:off x="3653137" y="3478930"/>
+              <a:ext cx="1314450" cy="261610"/>
+            </a:xfrm>
+            <a:prstGeom prst="rect">
+              <a:avLst/>
+            </a:prstGeom>
+            <a:solidFill>
+              <a:schemeClr val="bg1"/>
+            </a:solidFill>
+          </p:spPr>
+          <p:txBody>
+            <a:bodyPr wrap="square" rtlCol="0">
+              <a:spAutoFit/>
+            </a:bodyPr>
+            <a:lstStyle/>
+            <a:p>
+              <a:pPr algn="ctr"/>
+              <a:r>
+                <a:rPr lang="en-US" sz="1100" dirty="0"/>
+                <a:t>Reproduction</a:t>
+              </a:r>
+            </a:p>
+          </p:txBody>
+        </p:sp>
+        <p:sp>
+          <p:nvSpPr>
+            <p:cNvPr id="16" name="TextBox 15">
+              <a:extLst>
+                <a:ext uri="{FF2B5EF4-FFF2-40B4-BE49-F238E27FC236}">
+                  <a16:creationId xmlns:a16="http://schemas.microsoft.com/office/drawing/2014/main" id="{A731D6D0-0D5D-EE42-AF7A-DA550A2B77FE}"/>
+                </a:ext>
+              </a:extLst>
+            </p:cNvPr>
+            <p:cNvSpPr txBox="1"/>
+            <p:nvPr/>
+          </p:nvSpPr>
+          <p:spPr>
+            <a:xfrm>
+              <a:off x="3653137" y="5185695"/>
+              <a:ext cx="1314450" cy="261610"/>
+            </a:xfrm>
+            <a:prstGeom prst="rect">
+              <a:avLst/>
+            </a:prstGeom>
+            <a:solidFill>
+              <a:schemeClr val="bg1"/>
+            </a:solidFill>
+          </p:spPr>
+          <p:txBody>
+            <a:bodyPr wrap="square" rtlCol="0">
+              <a:spAutoFit/>
+            </a:bodyPr>
+            <a:lstStyle/>
+            <a:p>
+              <a:pPr algn="ctr"/>
+              <a:r>
+                <a:rPr lang="en-US" sz="1100" dirty="0"/>
+                <a:t>Reproduction</a:t>
+              </a:r>
+            </a:p>
+          </p:txBody>
+        </p:sp>
+      </p:grpSp>
+      <p:grpSp>
+        <p:nvGrpSpPr>
+          <p:cNvPr id="18" name="Group 17">
+            <a:extLst>
+              <a:ext uri="{FF2B5EF4-FFF2-40B4-BE49-F238E27FC236}">
+                <a16:creationId xmlns:a16="http://schemas.microsoft.com/office/drawing/2014/main" id="{88C75C3C-F87A-0F40-B1CB-C32436DD2595}"/>
+              </a:ext>
+            </a:extLst>
+          </p:cNvPr>
+          <p:cNvGrpSpPr/>
+          <p:nvPr/>
+        </p:nvGrpSpPr>
+        <p:grpSpPr>
+          <a:xfrm>
+            <a:off x="10422687" y="0"/>
+            <a:ext cx="1314450" cy="5362245"/>
+            <a:chOff x="3653137" y="85060"/>
+            <a:chExt cx="1314450" cy="5362245"/>
+          </a:xfrm>
+        </p:grpSpPr>
+        <p:sp>
+          <p:nvSpPr>
+            <p:cNvPr id="19" name="TextBox 18">
+              <a:extLst>
+                <a:ext uri="{FF2B5EF4-FFF2-40B4-BE49-F238E27FC236}">
+                  <a16:creationId xmlns:a16="http://schemas.microsoft.com/office/drawing/2014/main" id="{11F7BB51-6AD1-554D-95A6-11C1AAB769FB}"/>
+                </a:ext>
+              </a:extLst>
+            </p:cNvPr>
+            <p:cNvSpPr txBox="1"/>
+            <p:nvPr/>
+          </p:nvSpPr>
+          <p:spPr>
+            <a:xfrm>
+              <a:off x="3653137" y="85060"/>
+              <a:ext cx="1314450" cy="261610"/>
+            </a:xfrm>
+            <a:prstGeom prst="rect">
+              <a:avLst/>
+            </a:prstGeom>
+            <a:solidFill>
+              <a:schemeClr val="bg1"/>
+            </a:solidFill>
+          </p:spPr>
+          <p:txBody>
+            <a:bodyPr wrap="square" rtlCol="0">
+              <a:spAutoFit/>
+            </a:bodyPr>
+            <a:lstStyle/>
+            <a:p>
+              <a:pPr algn="ctr"/>
+              <a:r>
+                <a:rPr lang="en-US" sz="1100" dirty="0"/>
+                <a:t>Reproduction</a:t>
+              </a:r>
+            </a:p>
+          </p:txBody>
+        </p:sp>
+        <p:sp>
+          <p:nvSpPr>
+            <p:cNvPr id="20" name="TextBox 19">
+              <a:extLst>
+                <a:ext uri="{FF2B5EF4-FFF2-40B4-BE49-F238E27FC236}">
+                  <a16:creationId xmlns:a16="http://schemas.microsoft.com/office/drawing/2014/main" id="{81A10E7B-5197-4249-87DE-D1C030390275}"/>
+                </a:ext>
+              </a:extLst>
+            </p:cNvPr>
+            <p:cNvSpPr txBox="1"/>
+            <p:nvPr/>
+          </p:nvSpPr>
+          <p:spPr>
+            <a:xfrm>
+              <a:off x="3653137" y="1772165"/>
+              <a:ext cx="1314450" cy="261610"/>
+            </a:xfrm>
+            <a:prstGeom prst="rect">
+              <a:avLst/>
+            </a:prstGeom>
+            <a:solidFill>
+              <a:schemeClr val="bg1"/>
+            </a:solidFill>
+          </p:spPr>
+          <p:txBody>
+            <a:bodyPr wrap="square" rtlCol="0">
+              <a:spAutoFit/>
+            </a:bodyPr>
+            <a:lstStyle/>
+            <a:p>
+              <a:pPr algn="ctr"/>
+              <a:r>
+                <a:rPr lang="en-US" sz="1100" dirty="0"/>
+                <a:t>Reproduction</a:t>
+              </a:r>
+            </a:p>
+          </p:txBody>
+        </p:sp>
+        <p:sp>
+          <p:nvSpPr>
+            <p:cNvPr id="21" name="TextBox 20">
+              <a:extLst>
+                <a:ext uri="{FF2B5EF4-FFF2-40B4-BE49-F238E27FC236}">
+                  <a16:creationId xmlns:a16="http://schemas.microsoft.com/office/drawing/2014/main" id="{33B9CFC0-039C-1548-B098-E233F8CDC94E}"/>
+                </a:ext>
+              </a:extLst>
+            </p:cNvPr>
+            <p:cNvSpPr txBox="1"/>
+            <p:nvPr/>
+          </p:nvSpPr>
+          <p:spPr>
+            <a:xfrm>
+              <a:off x="3653137" y="3478930"/>
+              <a:ext cx="1314450" cy="261610"/>
+            </a:xfrm>
+            <a:prstGeom prst="rect">
+              <a:avLst/>
+            </a:prstGeom>
+            <a:solidFill>
+              <a:schemeClr val="bg1"/>
+            </a:solidFill>
+          </p:spPr>
+          <p:txBody>
+            <a:bodyPr wrap="square" rtlCol="0">
+              <a:spAutoFit/>
+            </a:bodyPr>
+            <a:lstStyle/>
+            <a:p>
+              <a:pPr algn="ctr"/>
+              <a:r>
+                <a:rPr lang="en-US" sz="1100" dirty="0"/>
+                <a:t>Reproduction</a:t>
+              </a:r>
+            </a:p>
+          </p:txBody>
+        </p:sp>
+        <p:sp>
+          <p:nvSpPr>
+            <p:cNvPr id="22" name="TextBox 21">
+              <a:extLst>
+                <a:ext uri="{FF2B5EF4-FFF2-40B4-BE49-F238E27FC236}">
+                  <a16:creationId xmlns:a16="http://schemas.microsoft.com/office/drawing/2014/main" id="{389D8684-079B-FC4D-A9DE-565AA0D03A60}"/>
+                </a:ext>
+              </a:extLst>
+            </p:cNvPr>
+            <p:cNvSpPr txBox="1"/>
+            <p:nvPr/>
+          </p:nvSpPr>
+          <p:spPr>
+            <a:xfrm>
+              <a:off x="3653137" y="5185695"/>
+              <a:ext cx="1314450" cy="261610"/>
+            </a:xfrm>
+            <a:prstGeom prst="rect">
+              <a:avLst/>
+            </a:prstGeom>
+            <a:solidFill>
+              <a:schemeClr val="bg1"/>
+            </a:solidFill>
+          </p:spPr>
+          <p:txBody>
+            <a:bodyPr wrap="square" rtlCol="0">
+              <a:spAutoFit/>
+            </a:bodyPr>
+            <a:lstStyle/>
+            <a:p>
+              <a:pPr algn="ctr"/>
+              <a:r>
+                <a:rPr lang="en-US" sz="1100" dirty="0"/>
+                <a:t>Reproduction</a:t>
+              </a:r>
+            </a:p>
+          </p:txBody>
+        </p:sp>
+      </p:grpSp>
+    </p:spTree>
+    <p:extLst>
+      <p:ext uri="{BB962C8B-B14F-4D97-AF65-F5344CB8AC3E}">
+        <p14:creationId xmlns:p14="http://schemas.microsoft.com/office/powerpoint/2010/main" val="2597511832"/>
+      </p:ext>
+    </p:extLst>
+  </p:cSld>
+  <p:clrMapOvr>
+    <a:masterClrMapping/>
+  </p:clrMapOvr>
+</p:sld>
+</file>
+
+<file path=ppt/slides/slide2.xml><?xml version="1.0" encoding="utf-8"?>
+<p:sld xmlns:a="http://schemas.openxmlformats.org/drawingml/2006/main" xmlns:r="http://schemas.openxmlformats.org/officeDocument/2006/relationships" xmlns:p="http://schemas.openxmlformats.org/presentationml/2006/main">
+  <p:cSld>
+    <p:bg>
+      <p:bgPr>
+        <a:solidFill>
+          <a:schemeClr val="accent1">
+            <a:lumMod val="75000"/>
+          </a:schemeClr>
+        </a:solidFill>
+        <a:effectLst/>
+      </p:bgPr>
+    </p:bg>
+    <p:spTree>
+      <p:nvGrpSpPr>
+        <p:cNvPr id="1" name=""/>
+        <p:cNvGrpSpPr/>
+        <p:nvPr/>
+      </p:nvGrpSpPr>
+      <p:grpSpPr>
+        <a:xfrm>
+          <a:off x="0" y="0"/>
+          <a:ext cx="0" cy="0"/>
+          <a:chOff x="0" y="0"/>
+          <a:chExt cx="0" cy="0"/>
+        </a:xfrm>
+      </p:grpSpPr>
+      <p:sp>
+        <p:nvSpPr>
+          <p:cNvPr id="13" name="Rectangle 12">
+            <a:extLst>
+              <a:ext uri="{FF2B5EF4-FFF2-40B4-BE49-F238E27FC236}">
+                <a16:creationId xmlns:a16="http://schemas.microsoft.com/office/drawing/2014/main" id="{6C1912B9-A121-DC4F-AABD-9D88F35FC787}"/>
+              </a:ext>
+            </a:extLst>
+          </p:cNvPr>
+          <p:cNvSpPr/>
+          <p:nvPr/>
+        </p:nvSpPr>
+        <p:spPr>
+          <a:xfrm>
+            <a:off x="3463961" y="850949"/>
+            <a:ext cx="5174429" cy="5388486"/>
+          </a:xfrm>
+          <a:prstGeom prst="rect">
+            <a:avLst/>
+          </a:prstGeom>
+          <a:solidFill>
+            <a:schemeClr val="bg1"/>
+          </a:solidFill>
+        </p:spPr>
+        <p:style>
+          <a:lnRef idx="2">
+            <a:schemeClr val="accent1">
+              <a:shade val="50000"/>
+            </a:schemeClr>
+          </a:lnRef>
+          <a:fillRef idx="1">
+            <a:schemeClr val="accent1"/>
+          </a:fillRef>
+          <a:effectRef idx="0">
+            <a:schemeClr val="accent1"/>
+          </a:effectRef>
+          <a:fontRef idx="minor">
+            <a:schemeClr val="lt1"/>
+          </a:fontRef>
+        </p:style>
+        <p:txBody>
+          <a:bodyPr rtlCol="0" anchor="ctr"/>
+          <a:lstStyle/>
+          <a:p>
+            <a:pPr algn="ctr"/>
+            <a:endParaRPr lang="en-US"/>
+          </a:p>
+        </p:txBody>
+      </p:sp>
+      <p:sp>
+        <p:nvSpPr>
+          <p:cNvPr id="8" name="TextBox 7">
+            <a:extLst>
+              <a:ext uri="{FF2B5EF4-FFF2-40B4-BE49-F238E27FC236}">
+                <a16:creationId xmlns:a16="http://schemas.microsoft.com/office/drawing/2014/main" id="{66E997EB-42C5-354B-BE43-C9B9F9FE404A}"/>
+              </a:ext>
+            </a:extLst>
+          </p:cNvPr>
+          <p:cNvSpPr txBox="1"/>
+          <p:nvPr/>
+        </p:nvSpPr>
+        <p:spPr>
+          <a:xfrm>
+            <a:off x="204395" y="204618"/>
+            <a:ext cx="11987605" cy="646331"/>
+          </a:xfrm>
+          <a:prstGeom prst="rect">
+            <a:avLst/>
+          </a:prstGeom>
+          <a:noFill/>
+        </p:spPr>
+        <p:txBody>
+          <a:bodyPr wrap="square" rtlCol="0">
+            <a:spAutoFit/>
+          </a:bodyPr>
+          <a:lstStyle/>
+          <a:p>
+            <a:pPr algn="ctr"/>
+            <a:r>
+              <a:rPr lang="en-US" sz="3600" dirty="0">
+                <a:solidFill>
+                  <a:schemeClr val="accent2">
+                    <a:lumMod val="60000"/>
+                    <a:lumOff val="40000"/>
+                  </a:schemeClr>
+                </a:solidFill>
+              </a:rPr>
+              <a:t>How do spectrum richness and temperature affect body size?</a:t>
+            </a:r>
+            <a:endParaRPr lang="en-US" sz="3200" dirty="0">
+              <a:solidFill>
+                <a:schemeClr val="accent2">
+                  <a:lumMod val="60000"/>
+                  <a:lumOff val="40000"/>
+                </a:schemeClr>
+              </a:solidFill>
+              <a:latin typeface="Calibri" panose="020F0502020204030204" pitchFamily="34" charset="0"/>
+              <a:cs typeface="Calibri" panose="020F0502020204030204" pitchFamily="34" charset="0"/>
+            </a:endParaRPr>
+          </a:p>
+        </p:txBody>
+      </p:sp>
+      <p:pic>
+        <p:nvPicPr>
+          <p:cNvPr id="3" name="Picture 2">
+            <a:extLst>
+              <a:ext uri="{FF2B5EF4-FFF2-40B4-BE49-F238E27FC236}">
+                <a16:creationId xmlns:a16="http://schemas.microsoft.com/office/drawing/2014/main" id="{473F3734-3494-274F-AEF3-4C71100C40C9}"/>
+              </a:ext>
+            </a:extLst>
+          </p:cNvPr>
+          <p:cNvPicPr>
+            <a:picLocks noChangeAspect="1"/>
+          </p:cNvPicPr>
+          <p:nvPr/>
+        </p:nvPicPr>
+        <p:blipFill>
+          <a:blip r:embed="rId3"/>
+          <a:stretch>
+            <a:fillRect/>
+          </a:stretch>
+        </p:blipFill>
+        <p:spPr>
+          <a:xfrm>
+            <a:off x="3759200" y="463550"/>
+            <a:ext cx="4673600" cy="5930900"/>
+          </a:xfrm>
+          <a:prstGeom prst="rect">
+            <a:avLst/>
+          </a:prstGeom>
+        </p:spPr>
+      </p:pic>
+      <p:sp>
+        <p:nvSpPr>
+          <p:cNvPr id="9" name="TextBox 8">
+            <a:extLst>
+              <a:ext uri="{FF2B5EF4-FFF2-40B4-BE49-F238E27FC236}">
+                <a16:creationId xmlns:a16="http://schemas.microsoft.com/office/drawing/2014/main" id="{FA718785-FB34-7F4B-B704-03B9A4546933}"/>
+              </a:ext>
+            </a:extLst>
+          </p:cNvPr>
+          <p:cNvSpPr txBox="1"/>
+          <p:nvPr/>
+        </p:nvSpPr>
+        <p:spPr>
+          <a:xfrm>
+            <a:off x="6096000" y="3851238"/>
+            <a:ext cx="1968649" cy="1477328"/>
+          </a:xfrm>
+          <a:prstGeom prst="rect">
+            <a:avLst/>
+          </a:prstGeom>
+          <a:noFill/>
+        </p:spPr>
+        <p:txBody>
+          <a:bodyPr wrap="square" rtlCol="0">
+            <a:spAutoFit/>
+          </a:bodyPr>
+          <a:lstStyle/>
+          <a:p>
+            <a:pPr algn="ctr"/>
+            <a:r>
+              <a:rPr lang="en-US" dirty="0"/>
+              <a:t>Each dot is the maximum body size from a different run of the model</a:t>
+            </a:r>
+          </a:p>
+        </p:txBody>
+      </p:sp>
+      <p:sp>
+        <p:nvSpPr>
+          <p:cNvPr id="12" name="TextBox 11">
+            <a:extLst>
+              <a:ext uri="{FF2B5EF4-FFF2-40B4-BE49-F238E27FC236}">
+                <a16:creationId xmlns:a16="http://schemas.microsoft.com/office/drawing/2014/main" id="{B544DA1D-98ED-824D-9159-34EE2B85DEF0}"/>
+              </a:ext>
+            </a:extLst>
+          </p:cNvPr>
+          <p:cNvSpPr txBox="1"/>
+          <p:nvPr/>
+        </p:nvSpPr>
+        <p:spPr>
+          <a:xfrm>
+            <a:off x="4572000" y="1710466"/>
+            <a:ext cx="1818042" cy="369332"/>
+          </a:xfrm>
+          <a:prstGeom prst="rect">
+            <a:avLst/>
+          </a:prstGeom>
+          <a:noFill/>
+        </p:spPr>
+        <p:txBody>
+          <a:bodyPr wrap="square" rtlCol="0">
+            <a:spAutoFit/>
+          </a:bodyPr>
+          <a:lstStyle/>
+          <a:p>
+            <a:pPr algn="r"/>
+            <a:r>
+              <a:rPr lang="en-US" b="1" dirty="0">
+                <a:solidFill>
+                  <a:srgbClr val="ADD8E6"/>
+                </a:solidFill>
+              </a:rPr>
+              <a:t>Cool </a:t>
+            </a:r>
+          </a:p>
+        </p:txBody>
+      </p:sp>
+      <p:sp>
+        <p:nvSpPr>
+          <p:cNvPr id="14" name="TextBox 13">
+            <a:extLst>
+              <a:ext uri="{FF2B5EF4-FFF2-40B4-BE49-F238E27FC236}">
+                <a16:creationId xmlns:a16="http://schemas.microsoft.com/office/drawing/2014/main" id="{7BEB4E2B-51A3-D942-BAF8-19396F389400}"/>
+              </a:ext>
+            </a:extLst>
+          </p:cNvPr>
+          <p:cNvSpPr txBox="1"/>
+          <p:nvPr/>
+        </p:nvSpPr>
+        <p:spPr>
+          <a:xfrm>
+            <a:off x="6766559" y="2541463"/>
+            <a:ext cx="1298089" cy="369332"/>
+          </a:xfrm>
+          <a:prstGeom prst="rect">
+            <a:avLst/>
+          </a:prstGeom>
+          <a:noFill/>
+        </p:spPr>
+        <p:txBody>
+          <a:bodyPr wrap="square" rtlCol="0">
+            <a:spAutoFit/>
+          </a:bodyPr>
+          <a:lstStyle/>
+          <a:p>
+            <a:r>
+              <a:rPr lang="en-US" b="1" dirty="0">
+                <a:solidFill>
+                  <a:srgbClr val="FF0000"/>
+                </a:solidFill>
+              </a:rPr>
+              <a:t>Warm</a:t>
+            </a:r>
+          </a:p>
+        </p:txBody>
+      </p:sp>
+    </p:spTree>
+    <p:extLst>
+      <p:ext uri="{BB962C8B-B14F-4D97-AF65-F5344CB8AC3E}">
+        <p14:creationId xmlns:p14="http://schemas.microsoft.com/office/powerpoint/2010/main" val="395164063"/>
+      </p:ext>
+    </p:extLst>
+  </p:cSld>
+  <p:clrMapOvr>
+    <a:masterClrMapping/>
+  </p:clrMapOvr>
+</p:sld>
+</file>
+
+<file path=ppt/slides/slide3.xml><?xml version="1.0" encoding="utf-8"?>
+<p:sld xmlns:a="http://schemas.openxmlformats.org/drawingml/2006/main" xmlns:r="http://schemas.openxmlformats.org/officeDocument/2006/relationships" xmlns:p="http://schemas.openxmlformats.org/presentationml/2006/main">
+  <p:cSld>
+    <p:bg>
+      <p:bgPr>
+        <a:solidFill>
+          <a:schemeClr val="accent1">
+            <a:lumMod val="75000"/>
+          </a:schemeClr>
+        </a:solidFill>
+        <a:effectLst/>
+      </p:bgPr>
+    </p:bg>
+    <p:spTree>
+      <p:nvGrpSpPr>
+        <p:cNvPr id="1" name=""/>
+        <p:cNvGrpSpPr/>
+        <p:nvPr/>
+      </p:nvGrpSpPr>
+      <p:grpSpPr>
+        <a:xfrm>
+          <a:off x="0" y="0"/>
+          <a:ext cx="0" cy="0"/>
+          <a:chOff x="0" y="0"/>
+          <a:chExt cx="0" cy="0"/>
+        </a:xfrm>
+      </p:grpSpPr>
+      <p:sp>
+        <p:nvSpPr>
+          <p:cNvPr id="10" name="Rectangle 9">
+            <a:extLst>
+              <a:ext uri="{FF2B5EF4-FFF2-40B4-BE49-F238E27FC236}">
+                <a16:creationId xmlns:a16="http://schemas.microsoft.com/office/drawing/2014/main" id="{2E2A3F42-DF50-3C47-AB43-74A63368C16E}"/>
+              </a:ext>
+            </a:extLst>
+          </p:cNvPr>
+          <p:cNvSpPr/>
+          <p:nvPr/>
+        </p:nvSpPr>
+        <p:spPr>
+          <a:xfrm>
+            <a:off x="6723529" y="1710466"/>
+            <a:ext cx="4916246" cy="4771016"/>
+          </a:xfrm>
+          <a:prstGeom prst="rect">
+            <a:avLst/>
+          </a:prstGeom>
+          <a:solidFill>
+            <a:schemeClr val="bg1"/>
+          </a:solidFill>
+        </p:spPr>
+        <p:style>
+          <a:lnRef idx="2">
+            <a:schemeClr val="accent1">
+              <a:shade val="50000"/>
+            </a:schemeClr>
+          </a:lnRef>
+          <a:fillRef idx="1">
+            <a:schemeClr val="accent1"/>
+          </a:fillRef>
+          <a:effectRef idx="0">
+            <a:schemeClr val="accent1"/>
+          </a:effectRef>
+          <a:fontRef idx="minor">
+            <a:schemeClr val="lt1"/>
+          </a:fontRef>
+        </p:style>
+        <p:txBody>
+          <a:bodyPr rtlCol="0" anchor="ctr"/>
+          <a:lstStyle/>
+          <a:p>
+            <a:pPr algn="ctr"/>
+            <a:endParaRPr lang="en-US"/>
+          </a:p>
+        </p:txBody>
+      </p:sp>
+      <p:sp>
+        <p:nvSpPr>
+          <p:cNvPr id="2" name="TextBox 1">
+            <a:extLst>
+              <a:ext uri="{FF2B5EF4-FFF2-40B4-BE49-F238E27FC236}">
+                <a16:creationId xmlns:a16="http://schemas.microsoft.com/office/drawing/2014/main" id="{B462328E-A7D7-414D-82C2-0247171CA202}"/>
+              </a:ext>
+            </a:extLst>
+          </p:cNvPr>
+          <p:cNvSpPr txBox="1"/>
+          <p:nvPr/>
+        </p:nvSpPr>
+        <p:spPr>
+          <a:xfrm>
+            <a:off x="2334409" y="376518"/>
+            <a:ext cx="8412480" cy="1200329"/>
+          </a:xfrm>
+          <a:prstGeom prst="rect">
+            <a:avLst/>
+          </a:prstGeom>
+          <a:noFill/>
+        </p:spPr>
+        <p:txBody>
+          <a:bodyPr wrap="square" rtlCol="0">
+            <a:spAutoFit/>
+          </a:bodyPr>
+          <a:lstStyle/>
+          <a:p>
+            <a:pPr algn="ctr"/>
+            <a:r>
+              <a:rPr lang="en-US" sz="3600" dirty="0">
+                <a:solidFill>
+                  <a:schemeClr val="bg1"/>
+                </a:solidFill>
+              </a:rPr>
+              <a:t>What about seasonal changes in spectrum richness and temperature? </a:t>
+            </a:r>
+          </a:p>
+        </p:txBody>
+      </p:sp>
+      <p:pic>
+        <p:nvPicPr>
+          <p:cNvPr id="3" name="Picture 2">
+            <a:extLst>
+              <a:ext uri="{FF2B5EF4-FFF2-40B4-BE49-F238E27FC236}">
+                <a16:creationId xmlns:a16="http://schemas.microsoft.com/office/drawing/2014/main" id="{FC2EAA5C-A688-9D48-8E4A-8A0A07BC83E7}"/>
+              </a:ext>
+            </a:extLst>
+          </p:cNvPr>
+          <p:cNvPicPr>
+            <a:picLocks noChangeAspect="1"/>
+          </p:cNvPicPr>
+          <p:nvPr/>
+        </p:nvPicPr>
+        <p:blipFill>
+          <a:blip r:embed="rId2"/>
+          <a:stretch>
+            <a:fillRect/>
+          </a:stretch>
+        </p:blipFill>
+        <p:spPr>
+          <a:xfrm>
+            <a:off x="0" y="0"/>
+            <a:ext cx="2336335" cy="1710466"/>
+          </a:xfrm>
+          <a:prstGeom prst="rect">
+            <a:avLst/>
+          </a:prstGeom>
+        </p:spPr>
+      </p:pic>
+      <p:pic>
+        <p:nvPicPr>
+          <p:cNvPr id="4" name="Picture 3">
+            <a:extLst>
+              <a:ext uri="{FF2B5EF4-FFF2-40B4-BE49-F238E27FC236}">
+                <a16:creationId xmlns:a16="http://schemas.microsoft.com/office/drawing/2014/main" id="{FA2F7AE2-1FAA-8644-83A8-3CA4B3E12429}"/>
+              </a:ext>
+            </a:extLst>
+          </p:cNvPr>
+          <p:cNvPicPr>
+            <a:picLocks noChangeAspect="1"/>
+          </p:cNvPicPr>
+          <p:nvPr/>
+        </p:nvPicPr>
+        <p:blipFill>
+          <a:blip r:embed="rId3"/>
+          <a:stretch>
+            <a:fillRect/>
+          </a:stretch>
+        </p:blipFill>
+        <p:spPr>
+          <a:xfrm>
+            <a:off x="7061889" y="1281923"/>
+            <a:ext cx="4203401" cy="5305374"/>
+          </a:xfrm>
+          <a:prstGeom prst="rect">
+            <a:avLst/>
+          </a:prstGeom>
+        </p:spPr>
+      </p:pic>
+      <p:sp>
+        <p:nvSpPr>
+          <p:cNvPr id="11" name="TextBox 10">
+            <a:extLst>
+              <a:ext uri="{FF2B5EF4-FFF2-40B4-BE49-F238E27FC236}">
+                <a16:creationId xmlns:a16="http://schemas.microsoft.com/office/drawing/2014/main" id="{7EB12FE2-2A53-5E4F-AA03-4E7B4963A34A}"/>
+              </a:ext>
+            </a:extLst>
+          </p:cNvPr>
+          <p:cNvSpPr txBox="1"/>
+          <p:nvPr/>
+        </p:nvSpPr>
+        <p:spPr>
+          <a:xfrm>
+            <a:off x="7982174" y="2485016"/>
+            <a:ext cx="1818042" cy="369332"/>
+          </a:xfrm>
+          <a:prstGeom prst="rect">
+            <a:avLst/>
+          </a:prstGeom>
+          <a:noFill/>
+        </p:spPr>
+        <p:txBody>
+          <a:bodyPr wrap="square" rtlCol="0">
+            <a:spAutoFit/>
+          </a:bodyPr>
+          <a:lstStyle/>
+          <a:p>
+            <a:pPr algn="r"/>
+            <a:r>
+              <a:rPr lang="en-US" b="1" dirty="0">
+                <a:solidFill>
+                  <a:srgbClr val="ADD8E6"/>
+                </a:solidFill>
+              </a:rPr>
+              <a:t>Cool, constant</a:t>
+            </a:r>
+          </a:p>
+        </p:txBody>
+      </p:sp>
+      <p:sp>
+        <p:nvSpPr>
+          <p:cNvPr id="12" name="TextBox 11">
+            <a:extLst>
+              <a:ext uri="{FF2B5EF4-FFF2-40B4-BE49-F238E27FC236}">
+                <a16:creationId xmlns:a16="http://schemas.microsoft.com/office/drawing/2014/main" id="{77CF4981-E867-BB48-8DFC-32400AFE438D}"/>
+              </a:ext>
+            </a:extLst>
+          </p:cNvPr>
+          <p:cNvSpPr txBox="1"/>
+          <p:nvPr/>
+        </p:nvSpPr>
+        <p:spPr>
+          <a:xfrm>
+            <a:off x="7982174" y="2722590"/>
+            <a:ext cx="1818042" cy="369332"/>
+          </a:xfrm>
+          <a:prstGeom prst="rect">
+            <a:avLst/>
+          </a:prstGeom>
+          <a:noFill/>
+        </p:spPr>
+        <p:txBody>
+          <a:bodyPr wrap="square" rtlCol="0">
+            <a:spAutoFit/>
+          </a:bodyPr>
+          <a:lstStyle/>
+          <a:p>
+            <a:pPr algn="r"/>
+            <a:r>
+              <a:rPr lang="en-US" b="1" dirty="0">
+                <a:solidFill>
+                  <a:srgbClr val="02008A"/>
+                </a:solidFill>
+              </a:rPr>
+              <a:t>Cool, seasonal</a:t>
+            </a:r>
+          </a:p>
+        </p:txBody>
+      </p:sp>
+      <p:sp>
+        <p:nvSpPr>
+          <p:cNvPr id="13" name="TextBox 12">
+            <a:extLst>
+              <a:ext uri="{FF2B5EF4-FFF2-40B4-BE49-F238E27FC236}">
+                <a16:creationId xmlns:a16="http://schemas.microsoft.com/office/drawing/2014/main" id="{8F508CC7-6CF7-D842-AE49-2F1CF2675E2A}"/>
+              </a:ext>
+            </a:extLst>
+          </p:cNvPr>
+          <p:cNvSpPr txBox="1"/>
+          <p:nvPr/>
+        </p:nvSpPr>
+        <p:spPr>
+          <a:xfrm>
+            <a:off x="387275" y="2237591"/>
+            <a:ext cx="4830184" cy="4678204"/>
+          </a:xfrm>
+          <a:prstGeom prst="rect">
+            <a:avLst/>
+          </a:prstGeom>
+          <a:noFill/>
+        </p:spPr>
+        <p:txBody>
+          <a:bodyPr wrap="square" rtlCol="0">
+            <a:spAutoFit/>
+          </a:bodyPr>
+          <a:lstStyle/>
+          <a:p>
+            <a:r>
+              <a:rPr lang="en-US" sz="2800" b="1" dirty="0">
+                <a:solidFill>
+                  <a:schemeClr val="bg1"/>
+                </a:solidFill>
+              </a:rPr>
+              <a:t>Seasonal environments:</a:t>
+            </a:r>
+          </a:p>
+          <a:p>
+            <a:pPr marL="285750" indent="-285750">
+              <a:buFont typeface="Arial" panose="020B0604020202020204" pitchFamily="34" charset="0"/>
+              <a:buChar char="•"/>
+            </a:pPr>
+            <a:r>
+              <a:rPr lang="en-US" sz="2800" dirty="0">
+                <a:solidFill>
+                  <a:schemeClr val="bg1"/>
+                </a:solidFill>
+              </a:rPr>
+              <a:t>Spectrum richness </a:t>
+            </a:r>
+            <a:r>
+              <a:rPr lang="en-US" sz="2800" b="1" dirty="0">
+                <a:solidFill>
+                  <a:schemeClr val="bg1"/>
+                </a:solidFill>
+                <a:latin typeface="Times" pitchFamily="2" charset="0"/>
+              </a:rPr>
+              <a:t>K </a:t>
+            </a:r>
+            <a:r>
+              <a:rPr lang="en-US" sz="2800" b="1" dirty="0">
+                <a:solidFill>
+                  <a:schemeClr val="bg1"/>
+                </a:solidFill>
+              </a:rPr>
+              <a:t>doubles </a:t>
+            </a:r>
+            <a:r>
+              <a:rPr lang="en-US" sz="2800" dirty="0">
+                <a:solidFill>
+                  <a:schemeClr val="bg1"/>
+                </a:solidFill>
+              </a:rPr>
+              <a:t>for half the year (winter/spring)</a:t>
+            </a:r>
+          </a:p>
+          <a:p>
+            <a:pPr marL="285750" indent="-285750">
+              <a:buFont typeface="Arial" panose="020B0604020202020204" pitchFamily="34" charset="0"/>
+              <a:buChar char="•"/>
+            </a:pPr>
+            <a:endParaRPr lang="en-US" sz="2800" dirty="0">
+              <a:solidFill>
+                <a:schemeClr val="bg1"/>
+              </a:solidFill>
+            </a:endParaRPr>
+          </a:p>
+          <a:p>
+            <a:pPr marL="285750" indent="-285750">
+              <a:buFont typeface="Arial" panose="020B0604020202020204" pitchFamily="34" charset="0"/>
+              <a:buChar char="•"/>
+            </a:pPr>
+            <a:r>
+              <a:rPr lang="en-US" sz="2800" dirty="0">
+                <a:solidFill>
+                  <a:schemeClr val="bg1"/>
+                </a:solidFill>
+              </a:rPr>
+              <a:t>Temperature increases by 5 degrees C during the </a:t>
+            </a:r>
+            <a:r>
+              <a:rPr lang="en-US" sz="2800" b="1" dirty="0">
+                <a:solidFill>
+                  <a:schemeClr val="bg1"/>
+                </a:solidFill>
+              </a:rPr>
+              <a:t>other</a:t>
+            </a:r>
+            <a:r>
+              <a:rPr lang="en-US" sz="2800" dirty="0">
+                <a:solidFill>
+                  <a:schemeClr val="bg1"/>
+                </a:solidFill>
+              </a:rPr>
+              <a:t> half of the year (summer/autumn)</a:t>
+            </a:r>
+          </a:p>
+          <a:p>
+            <a:pPr marL="285750" indent="-285750">
+              <a:buFont typeface="Arial" panose="020B0604020202020204" pitchFamily="34" charset="0"/>
+              <a:buChar char="•"/>
+            </a:pPr>
+            <a:endParaRPr lang="en-US" sz="2800" dirty="0"/>
+          </a:p>
+          <a:p>
+            <a:endParaRPr lang="en-US" dirty="0"/>
+          </a:p>
+        </p:txBody>
+      </p:sp>
+    </p:spTree>
+    <p:extLst>
+      <p:ext uri="{BB962C8B-B14F-4D97-AF65-F5344CB8AC3E}">
+        <p14:creationId xmlns:p14="http://schemas.microsoft.com/office/powerpoint/2010/main" val="1481110903"/>
+      </p:ext>
+    </p:extLst>
+  </p:cSld>
+  <p:clrMapOvr>
+    <a:masterClrMapping/>
+  </p:clrMapOvr>
+</p:sld>
+</file>
+
+<file path=ppt/slides/slide4.xml><?xml version="1.0" encoding="utf-8"?>
+<p:sld xmlns:a="http://schemas.openxmlformats.org/drawingml/2006/main" xmlns:r="http://schemas.openxmlformats.org/officeDocument/2006/relationships" xmlns:p="http://schemas.openxmlformats.org/presentationml/2006/main">
+  <p:cSld>
+    <p:bg>
+      <p:bgPr>
+        <a:solidFill>
+          <a:schemeClr val="accent1">
+            <a:lumMod val="75000"/>
+          </a:schemeClr>
+        </a:solidFill>
+        <a:effectLst/>
+      </p:bgPr>
+    </p:bg>
+    <p:spTree>
+      <p:nvGrpSpPr>
+        <p:cNvPr id="1" name=""/>
+        <p:cNvGrpSpPr/>
+        <p:nvPr/>
+      </p:nvGrpSpPr>
+      <p:grpSpPr>
+        <a:xfrm>
+          <a:off x="0" y="0"/>
+          <a:ext cx="0" cy="0"/>
+          <a:chOff x="0" y="0"/>
+          <a:chExt cx="0" cy="0"/>
+        </a:xfrm>
+      </p:grpSpPr>
+      <p:sp>
+        <p:nvSpPr>
+          <p:cNvPr id="10" name="Rectangle 9">
+            <a:extLst>
+              <a:ext uri="{FF2B5EF4-FFF2-40B4-BE49-F238E27FC236}">
+                <a16:creationId xmlns:a16="http://schemas.microsoft.com/office/drawing/2014/main" id="{2E2A3F42-DF50-3C47-AB43-74A63368C16E}"/>
+              </a:ext>
+            </a:extLst>
+          </p:cNvPr>
+          <p:cNvSpPr/>
+          <p:nvPr/>
+        </p:nvSpPr>
+        <p:spPr>
+          <a:xfrm>
+            <a:off x="6723529" y="1710466"/>
+            <a:ext cx="4916245" cy="4862456"/>
+          </a:xfrm>
+          <a:prstGeom prst="rect">
+            <a:avLst/>
+          </a:prstGeom>
+          <a:solidFill>
+            <a:schemeClr val="bg1"/>
+          </a:solidFill>
+        </p:spPr>
+        <p:style>
+          <a:lnRef idx="2">
+            <a:schemeClr val="accent1">
+              <a:shade val="50000"/>
+            </a:schemeClr>
+          </a:lnRef>
+          <a:fillRef idx="1">
+            <a:schemeClr val="accent1"/>
+          </a:fillRef>
+          <a:effectRef idx="0">
+            <a:schemeClr val="accent1"/>
+          </a:effectRef>
+          <a:fontRef idx="minor">
+            <a:schemeClr val="lt1"/>
+          </a:fontRef>
+        </p:style>
+        <p:txBody>
+          <a:bodyPr rtlCol="0" anchor="ctr"/>
+          <a:lstStyle/>
+          <a:p>
+            <a:pPr algn="ctr"/>
+            <a:endParaRPr lang="en-US"/>
+          </a:p>
+        </p:txBody>
+      </p:sp>
+      <p:sp>
+        <p:nvSpPr>
+          <p:cNvPr id="2" name="TextBox 1">
+            <a:extLst>
+              <a:ext uri="{FF2B5EF4-FFF2-40B4-BE49-F238E27FC236}">
+                <a16:creationId xmlns:a16="http://schemas.microsoft.com/office/drawing/2014/main" id="{B462328E-A7D7-414D-82C2-0247171CA202}"/>
+              </a:ext>
+            </a:extLst>
+          </p:cNvPr>
+          <p:cNvSpPr txBox="1"/>
+          <p:nvPr/>
+        </p:nvSpPr>
+        <p:spPr>
+          <a:xfrm>
+            <a:off x="2334409" y="376518"/>
+            <a:ext cx="8412480" cy="1200329"/>
+          </a:xfrm>
+          <a:prstGeom prst="rect">
+            <a:avLst/>
+          </a:prstGeom>
+          <a:noFill/>
+        </p:spPr>
+        <p:txBody>
+          <a:bodyPr wrap="square" rtlCol="0">
+            <a:spAutoFit/>
+          </a:bodyPr>
+          <a:lstStyle/>
+          <a:p>
+            <a:pPr algn="ctr"/>
+            <a:r>
+              <a:rPr lang="en-US" sz="3600" dirty="0">
+                <a:solidFill>
+                  <a:schemeClr val="bg1"/>
+                </a:solidFill>
+              </a:rPr>
+              <a:t>What about seasonal changes in spectrum richness and temperature? </a:t>
+            </a:r>
+          </a:p>
+        </p:txBody>
+      </p:sp>
+      <p:pic>
+        <p:nvPicPr>
+          <p:cNvPr id="3" name="Picture 2">
+            <a:extLst>
+              <a:ext uri="{FF2B5EF4-FFF2-40B4-BE49-F238E27FC236}">
+                <a16:creationId xmlns:a16="http://schemas.microsoft.com/office/drawing/2014/main" id="{FC2EAA5C-A688-9D48-8E4A-8A0A07BC83E7}"/>
+              </a:ext>
+            </a:extLst>
+          </p:cNvPr>
+          <p:cNvPicPr>
+            <a:picLocks noChangeAspect="1"/>
+          </p:cNvPicPr>
+          <p:nvPr/>
+        </p:nvPicPr>
+        <p:blipFill>
+          <a:blip r:embed="rId2"/>
+          <a:stretch>
+            <a:fillRect/>
+          </a:stretch>
+        </p:blipFill>
+        <p:spPr>
+          <a:xfrm>
+            <a:off x="0" y="0"/>
+            <a:ext cx="2336335" cy="1710466"/>
+          </a:xfrm>
+          <a:prstGeom prst="rect">
+            <a:avLst/>
+          </a:prstGeom>
+        </p:spPr>
+      </p:pic>
+      <p:sp>
+        <p:nvSpPr>
+          <p:cNvPr id="5" name="TextBox 4">
+            <a:extLst>
+              <a:ext uri="{FF2B5EF4-FFF2-40B4-BE49-F238E27FC236}">
+                <a16:creationId xmlns:a16="http://schemas.microsoft.com/office/drawing/2014/main" id="{CB69DE35-4475-CC4E-92BD-32907B55D982}"/>
+              </a:ext>
+            </a:extLst>
+          </p:cNvPr>
+          <p:cNvSpPr txBox="1"/>
+          <p:nvPr/>
+        </p:nvSpPr>
+        <p:spPr>
+          <a:xfrm>
+            <a:off x="387275" y="2237591"/>
+            <a:ext cx="4830184" cy="4678204"/>
+          </a:xfrm>
+          <a:prstGeom prst="rect">
+            <a:avLst/>
+          </a:prstGeom>
+          <a:noFill/>
+        </p:spPr>
+        <p:txBody>
+          <a:bodyPr wrap="square" rtlCol="0">
+            <a:spAutoFit/>
+          </a:bodyPr>
+          <a:lstStyle/>
+          <a:p>
+            <a:r>
+              <a:rPr lang="en-US" sz="2800" b="1" dirty="0">
+                <a:solidFill>
+                  <a:schemeClr val="bg1"/>
+                </a:solidFill>
+              </a:rPr>
+              <a:t>Seasonal environments:</a:t>
+            </a:r>
+          </a:p>
+          <a:p>
+            <a:pPr marL="285750" indent="-285750">
+              <a:buFont typeface="Arial" panose="020B0604020202020204" pitchFamily="34" charset="0"/>
+              <a:buChar char="•"/>
+            </a:pPr>
+            <a:r>
+              <a:rPr lang="en-US" sz="2800" dirty="0">
+                <a:solidFill>
+                  <a:schemeClr val="bg1"/>
+                </a:solidFill>
+              </a:rPr>
+              <a:t>Spectrum richness </a:t>
+            </a:r>
+            <a:r>
+              <a:rPr lang="en-US" sz="2800" b="1" dirty="0">
+                <a:solidFill>
+                  <a:schemeClr val="bg1"/>
+                </a:solidFill>
+                <a:latin typeface="Times" pitchFamily="2" charset="0"/>
+              </a:rPr>
+              <a:t>K </a:t>
+            </a:r>
+            <a:r>
+              <a:rPr lang="en-US" sz="2800" b="1" dirty="0">
+                <a:solidFill>
+                  <a:schemeClr val="bg1"/>
+                </a:solidFill>
+              </a:rPr>
+              <a:t>doubles </a:t>
+            </a:r>
+            <a:r>
+              <a:rPr lang="en-US" sz="2800" dirty="0">
+                <a:solidFill>
+                  <a:schemeClr val="bg1"/>
+                </a:solidFill>
+              </a:rPr>
+              <a:t>for half the year (winter/spring)</a:t>
+            </a:r>
+          </a:p>
+          <a:p>
+            <a:pPr marL="285750" indent="-285750">
+              <a:buFont typeface="Arial" panose="020B0604020202020204" pitchFamily="34" charset="0"/>
+              <a:buChar char="•"/>
+            </a:pPr>
+            <a:endParaRPr lang="en-US" sz="2800" dirty="0">
+              <a:solidFill>
+                <a:schemeClr val="bg1"/>
+              </a:solidFill>
+            </a:endParaRPr>
+          </a:p>
+          <a:p>
+            <a:pPr marL="285750" indent="-285750">
+              <a:buFont typeface="Arial" panose="020B0604020202020204" pitchFamily="34" charset="0"/>
+              <a:buChar char="•"/>
+            </a:pPr>
+            <a:r>
+              <a:rPr lang="en-US" sz="2800" dirty="0">
+                <a:solidFill>
+                  <a:schemeClr val="bg1"/>
+                </a:solidFill>
+              </a:rPr>
+              <a:t>Temperature increases by 5 degrees C during the </a:t>
+            </a:r>
+            <a:r>
+              <a:rPr lang="en-US" sz="2800" b="1" dirty="0">
+                <a:solidFill>
+                  <a:schemeClr val="bg1"/>
+                </a:solidFill>
+              </a:rPr>
+              <a:t>other</a:t>
+            </a:r>
+            <a:r>
+              <a:rPr lang="en-US" sz="2800" dirty="0">
+                <a:solidFill>
+                  <a:schemeClr val="bg1"/>
+                </a:solidFill>
+              </a:rPr>
+              <a:t> half of the year (summer/autumn)</a:t>
+            </a:r>
+          </a:p>
+          <a:p>
+            <a:pPr marL="285750" indent="-285750">
+              <a:buFont typeface="Arial" panose="020B0604020202020204" pitchFamily="34" charset="0"/>
+              <a:buChar char="•"/>
+            </a:pPr>
+            <a:endParaRPr lang="en-US" sz="2800" dirty="0"/>
+          </a:p>
+          <a:p>
+            <a:endParaRPr lang="en-US" dirty="0"/>
+          </a:p>
+        </p:txBody>
+      </p:sp>
+      <p:pic>
+        <p:nvPicPr>
+          <p:cNvPr id="9" name="Picture 8">
+            <a:extLst>
+              <a:ext uri="{FF2B5EF4-FFF2-40B4-BE49-F238E27FC236}">
+                <a16:creationId xmlns:a16="http://schemas.microsoft.com/office/drawing/2014/main" id="{F8629302-CB5E-D84A-8320-3071EECB45DA}"/>
+              </a:ext>
+            </a:extLst>
+          </p:cNvPr>
+          <p:cNvPicPr>
+            <a:picLocks noChangeAspect="1"/>
+          </p:cNvPicPr>
+          <p:nvPr/>
+        </p:nvPicPr>
+        <p:blipFill>
+          <a:blip r:embed="rId3"/>
+          <a:stretch>
+            <a:fillRect/>
+          </a:stretch>
+        </p:blipFill>
+        <p:spPr>
+          <a:xfrm>
+            <a:off x="6949440" y="1183341"/>
+            <a:ext cx="4381140" cy="5529431"/>
+          </a:xfrm>
+          <a:prstGeom prst="rect">
+            <a:avLst/>
+          </a:prstGeom>
+        </p:spPr>
+      </p:pic>
+      <p:sp>
+        <p:nvSpPr>
+          <p:cNvPr id="11" name="TextBox 10">
+            <a:extLst>
+              <a:ext uri="{FF2B5EF4-FFF2-40B4-BE49-F238E27FC236}">
+                <a16:creationId xmlns:a16="http://schemas.microsoft.com/office/drawing/2014/main" id="{08EDBAC5-499D-7842-BCA1-6FFB026ECDE1}"/>
+              </a:ext>
+            </a:extLst>
+          </p:cNvPr>
+          <p:cNvSpPr txBox="1"/>
+          <p:nvPr/>
+        </p:nvSpPr>
+        <p:spPr>
+          <a:xfrm>
+            <a:off x="8928847" y="3675500"/>
+            <a:ext cx="1818042" cy="369332"/>
+          </a:xfrm>
+          <a:prstGeom prst="rect">
+            <a:avLst/>
+          </a:prstGeom>
+          <a:noFill/>
+        </p:spPr>
+        <p:txBody>
+          <a:bodyPr wrap="square" rtlCol="0">
+            <a:spAutoFit/>
+          </a:bodyPr>
+          <a:lstStyle/>
+          <a:p>
+            <a:pPr algn="r"/>
+            <a:r>
+              <a:rPr lang="en-US" b="1" dirty="0">
+                <a:solidFill>
+                  <a:srgbClr val="FF0000"/>
+                </a:solidFill>
+              </a:rPr>
+              <a:t>Warm, constant</a:t>
+            </a:r>
+          </a:p>
+        </p:txBody>
+      </p:sp>
+      <p:sp>
+        <p:nvSpPr>
+          <p:cNvPr id="12" name="TextBox 11">
+            <a:extLst>
+              <a:ext uri="{FF2B5EF4-FFF2-40B4-BE49-F238E27FC236}">
+                <a16:creationId xmlns:a16="http://schemas.microsoft.com/office/drawing/2014/main" id="{EEA3A94A-D39D-B84E-854B-854B0952777F}"/>
+              </a:ext>
+            </a:extLst>
+          </p:cNvPr>
+          <p:cNvSpPr txBox="1"/>
+          <p:nvPr/>
+        </p:nvSpPr>
+        <p:spPr>
+          <a:xfrm>
+            <a:off x="7982174" y="2722590"/>
+            <a:ext cx="1818042" cy="369332"/>
+          </a:xfrm>
+          <a:prstGeom prst="rect">
+            <a:avLst/>
+          </a:prstGeom>
+          <a:noFill/>
+        </p:spPr>
+        <p:txBody>
+          <a:bodyPr wrap="square" rtlCol="0">
+            <a:spAutoFit/>
+          </a:bodyPr>
+          <a:lstStyle/>
+          <a:p>
+            <a:pPr algn="r"/>
+            <a:r>
+              <a:rPr lang="en-US" b="1" dirty="0">
+                <a:solidFill>
+                  <a:srgbClr val="02008A"/>
+                </a:solidFill>
+              </a:rPr>
+              <a:t>Cool, seasonal</a:t>
+            </a:r>
+          </a:p>
+        </p:txBody>
+      </p:sp>
+    </p:spTree>
+    <p:extLst>
+      <p:ext uri="{BB962C8B-B14F-4D97-AF65-F5344CB8AC3E}">
+        <p14:creationId xmlns:p14="http://schemas.microsoft.com/office/powerpoint/2010/main" val="2885982330"/>
+      </p:ext>
+    </p:extLst>
+  </p:cSld>
+  <p:clrMapOvr>
+    <a:masterClrMapping/>
+  </p:clrMapOvr>
+</p:sld>
+</file>
+
+<file path=ppt/slides/slide5.xml><?xml version="1.0" encoding="utf-8"?>
+<p:sld xmlns:a="http://schemas.openxmlformats.org/drawingml/2006/main" xmlns:r="http://schemas.openxmlformats.org/officeDocument/2006/relationships" xmlns:p="http://schemas.openxmlformats.org/presentationml/2006/main">
+  <p:cSld>
+    <p:bg>
+      <p:bgPr>
+        <a:solidFill>
+          <a:schemeClr val="bg1"/>
+        </a:solidFill>
+        <a:effectLst/>
+      </p:bgPr>
+    </p:bg>
+    <p:spTree>
+      <p:nvGrpSpPr>
+        <p:cNvPr id="1" name=""/>
+        <p:cNvGrpSpPr/>
+        <p:nvPr/>
+      </p:nvGrpSpPr>
+      <p:grpSpPr>
+        <a:xfrm>
+          <a:off x="0" y="0"/>
+          <a:ext cx="0" cy="0"/>
+          <a:chOff x="0" y="0"/>
+          <a:chExt cx="0" cy="0"/>
+        </a:xfrm>
+      </p:grpSpPr>
+      <p:pic>
+        <p:nvPicPr>
+          <p:cNvPr id="12" name="Picture 11">
+            <a:extLst>
+              <a:ext uri="{FF2B5EF4-FFF2-40B4-BE49-F238E27FC236}">
+                <a16:creationId xmlns:a16="http://schemas.microsoft.com/office/drawing/2014/main" id="{A666995E-CB59-1F45-9BED-F0DE90AE4306}"/>
+              </a:ext>
+            </a:extLst>
+          </p:cNvPr>
+          <p:cNvPicPr>
+            <a:picLocks noChangeAspect="1"/>
+          </p:cNvPicPr>
+          <p:nvPr/>
+        </p:nvPicPr>
+        <p:blipFill>
+          <a:blip r:embed="rId2"/>
+          <a:stretch>
+            <a:fillRect/>
+          </a:stretch>
+        </p:blipFill>
+        <p:spPr>
+          <a:xfrm>
+            <a:off x="2895600" y="228600"/>
+            <a:ext cx="6400800" cy="6400800"/>
+          </a:xfrm>
+          <a:prstGeom prst="rect">
+            <a:avLst/>
+          </a:prstGeom>
+        </p:spPr>
+      </p:pic>
+      <p:sp>
+        <p:nvSpPr>
+          <p:cNvPr id="5" name="TextBox 4">
+            <a:extLst>
+              <a:ext uri="{FF2B5EF4-FFF2-40B4-BE49-F238E27FC236}">
+                <a16:creationId xmlns:a16="http://schemas.microsoft.com/office/drawing/2014/main" id="{45023B22-B75D-B845-B5C5-E2A58AFF2E34}"/>
+              </a:ext>
+            </a:extLst>
+          </p:cNvPr>
+          <p:cNvSpPr txBox="1"/>
+          <p:nvPr/>
+        </p:nvSpPr>
+        <p:spPr>
+          <a:xfrm>
+            <a:off x="542260" y="425302"/>
+            <a:ext cx="2353340" cy="369332"/>
+          </a:xfrm>
+          <a:prstGeom prst="rect">
+            <a:avLst/>
+          </a:prstGeom>
+          <a:noFill/>
+        </p:spPr>
+        <p:txBody>
+          <a:bodyPr wrap="square" rtlCol="0">
+            <a:spAutoFit/>
+          </a:bodyPr>
+          <a:lstStyle/>
+          <a:p>
+            <a:r>
+              <a:rPr lang="en-US" dirty="0"/>
+              <a:t>Seasonal environments</a:t>
+            </a:r>
+          </a:p>
+        </p:txBody>
+      </p:sp>
+      <p:sp>
+        <p:nvSpPr>
+          <p:cNvPr id="7" name="TextBox 6">
+            <a:extLst>
+              <a:ext uri="{FF2B5EF4-FFF2-40B4-BE49-F238E27FC236}">
+                <a16:creationId xmlns:a16="http://schemas.microsoft.com/office/drawing/2014/main" id="{01E1B3F0-DC8D-F240-B498-7F85D85C73B3}"/>
+              </a:ext>
+            </a:extLst>
+          </p:cNvPr>
+          <p:cNvSpPr txBox="1"/>
+          <p:nvPr/>
+        </p:nvSpPr>
+        <p:spPr>
+          <a:xfrm>
+            <a:off x="4393129" y="1807423"/>
+            <a:ext cx="2353340" cy="923330"/>
+          </a:xfrm>
+          <a:prstGeom prst="rect">
+            <a:avLst/>
+          </a:prstGeom>
+          <a:noFill/>
+        </p:spPr>
+        <p:txBody>
+          <a:bodyPr wrap="square" rtlCol="0">
+            <a:spAutoFit/>
+          </a:bodyPr>
+          <a:lstStyle/>
+          <a:p>
+            <a:r>
+              <a:rPr lang="en-US" dirty="0"/>
+              <a:t>Low </a:t>
+            </a:r>
+            <a:r>
+              <a:rPr lang="en-US" dirty="0" err="1"/>
+              <a:t>F_h</a:t>
+            </a:r>
+            <a:r>
+              <a:rPr lang="en-US" dirty="0"/>
+              <a:t> (predator efficiency) = low mortality</a:t>
+            </a:r>
+          </a:p>
+        </p:txBody>
+      </p:sp>
     </p:spTree>
     <p:extLst>
       <p:ext uri="{BB962C8B-B14F-4D97-AF65-F5344CB8AC3E}">
@@ -3435,7 +6584,672 @@
 </p:sld>
 </file>
 
-<file path=ppt/slides/slide2.xml><?xml version="1.0" encoding="utf-8"?>
+<file path=ppt/slides/slide6.xml><?xml version="1.0" encoding="utf-8"?>
+<p:sld xmlns:a="http://schemas.openxmlformats.org/drawingml/2006/main" xmlns:r="http://schemas.openxmlformats.org/officeDocument/2006/relationships" xmlns:p="http://schemas.openxmlformats.org/presentationml/2006/main">
+  <p:cSld>
+    <p:bg>
+      <p:bgPr>
+        <a:solidFill>
+          <a:schemeClr val="bg1"/>
+        </a:solidFill>
+        <a:effectLst/>
+      </p:bgPr>
+    </p:bg>
+    <p:spTree>
+      <p:nvGrpSpPr>
+        <p:cNvPr id="1" name=""/>
+        <p:cNvGrpSpPr/>
+        <p:nvPr/>
+      </p:nvGrpSpPr>
+      <p:grpSpPr>
+        <a:xfrm>
+          <a:off x="0" y="0"/>
+          <a:ext cx="0" cy="0"/>
+          <a:chOff x="0" y="0"/>
+          <a:chExt cx="0" cy="0"/>
+        </a:xfrm>
+      </p:grpSpPr>
+      <p:sp>
+        <p:nvSpPr>
+          <p:cNvPr id="5" name="TextBox 4">
+            <a:extLst>
+              <a:ext uri="{FF2B5EF4-FFF2-40B4-BE49-F238E27FC236}">
+                <a16:creationId xmlns:a16="http://schemas.microsoft.com/office/drawing/2014/main" id="{45023B22-B75D-B845-B5C5-E2A58AFF2E34}"/>
+              </a:ext>
+            </a:extLst>
+          </p:cNvPr>
+          <p:cNvSpPr txBox="1"/>
+          <p:nvPr/>
+        </p:nvSpPr>
+        <p:spPr>
+          <a:xfrm>
+            <a:off x="542260" y="425302"/>
+            <a:ext cx="2353340" cy="369332"/>
+          </a:xfrm>
+          <a:prstGeom prst="rect">
+            <a:avLst/>
+          </a:prstGeom>
+          <a:noFill/>
+        </p:spPr>
+        <p:txBody>
+          <a:bodyPr wrap="square" rtlCol="0">
+            <a:spAutoFit/>
+          </a:bodyPr>
+          <a:lstStyle/>
+          <a:p>
+            <a:r>
+              <a:rPr lang="en-US" dirty="0"/>
+              <a:t>Seasonal environments</a:t>
+            </a:r>
+          </a:p>
+        </p:txBody>
+      </p:sp>
+      <p:sp>
+        <p:nvSpPr>
+          <p:cNvPr id="6" name="TextBox 5">
+            <a:extLst>
+              <a:ext uri="{FF2B5EF4-FFF2-40B4-BE49-F238E27FC236}">
+                <a16:creationId xmlns:a16="http://schemas.microsoft.com/office/drawing/2014/main" id="{8FB85FC4-A9A2-B548-9619-08C804342EE0}"/>
+              </a:ext>
+            </a:extLst>
+          </p:cNvPr>
+          <p:cNvSpPr txBox="1"/>
+          <p:nvPr/>
+        </p:nvSpPr>
+        <p:spPr>
+          <a:xfrm>
+            <a:off x="4607442" y="2278910"/>
+            <a:ext cx="2353340" cy="369332"/>
+          </a:xfrm>
+          <a:prstGeom prst="rect">
+            <a:avLst/>
+          </a:prstGeom>
+          <a:noFill/>
+        </p:spPr>
+        <p:txBody>
+          <a:bodyPr wrap="square" rtlCol="0">
+            <a:spAutoFit/>
+          </a:bodyPr>
+          <a:lstStyle/>
+          <a:p>
+            <a:r>
+              <a:rPr lang="en-US" dirty="0"/>
+              <a:t>Low mortality</a:t>
+            </a:r>
+          </a:p>
+        </p:txBody>
+      </p:sp>
+      <p:pic>
+        <p:nvPicPr>
+          <p:cNvPr id="11" name="Picture 10">
+            <a:extLst>
+              <a:ext uri="{FF2B5EF4-FFF2-40B4-BE49-F238E27FC236}">
+                <a16:creationId xmlns:a16="http://schemas.microsoft.com/office/drawing/2014/main" id="{709DA592-52D4-C94D-A064-8AE32D19AED1}"/>
+              </a:ext>
+            </a:extLst>
+          </p:cNvPr>
+          <p:cNvPicPr>
+            <a:picLocks noChangeAspect="1"/>
+          </p:cNvPicPr>
+          <p:nvPr/>
+        </p:nvPicPr>
+        <p:blipFill>
+          <a:blip r:embed="rId2"/>
+          <a:stretch>
+            <a:fillRect/>
+          </a:stretch>
+        </p:blipFill>
+        <p:spPr>
+          <a:xfrm>
+            <a:off x="2895600" y="228600"/>
+            <a:ext cx="6400800" cy="6400800"/>
+          </a:xfrm>
+          <a:prstGeom prst="rect">
+            <a:avLst/>
+          </a:prstGeom>
+        </p:spPr>
+      </p:pic>
+      <p:pic>
+        <p:nvPicPr>
+          <p:cNvPr id="12" name="Picture 11">
+            <a:extLst>
+              <a:ext uri="{FF2B5EF4-FFF2-40B4-BE49-F238E27FC236}">
+                <a16:creationId xmlns:a16="http://schemas.microsoft.com/office/drawing/2014/main" id="{4770AEB1-BBAB-7C48-A508-6D46C00760EF}"/>
+              </a:ext>
+            </a:extLst>
+          </p:cNvPr>
+          <p:cNvPicPr>
+            <a:picLocks noChangeAspect="1"/>
+          </p:cNvPicPr>
+          <p:nvPr/>
+        </p:nvPicPr>
+        <p:blipFill>
+          <a:blip r:embed="rId3"/>
+          <a:stretch>
+            <a:fillRect/>
+          </a:stretch>
+        </p:blipFill>
+        <p:spPr>
+          <a:xfrm>
+            <a:off x="2895600" y="228600"/>
+            <a:ext cx="6400800" cy="6400800"/>
+          </a:xfrm>
+          <a:prstGeom prst="rect">
+            <a:avLst/>
+          </a:prstGeom>
+        </p:spPr>
+      </p:pic>
+      <p:sp>
+        <p:nvSpPr>
+          <p:cNvPr id="7" name="TextBox 6">
+            <a:extLst>
+              <a:ext uri="{FF2B5EF4-FFF2-40B4-BE49-F238E27FC236}">
+                <a16:creationId xmlns:a16="http://schemas.microsoft.com/office/drawing/2014/main" id="{69913DA0-788E-3B46-9465-3714936A8C20}"/>
+              </a:ext>
+            </a:extLst>
+          </p:cNvPr>
+          <p:cNvSpPr txBox="1"/>
+          <p:nvPr/>
+        </p:nvSpPr>
+        <p:spPr>
+          <a:xfrm>
+            <a:off x="5557284" y="3429000"/>
+            <a:ext cx="2353340" cy="369332"/>
+          </a:xfrm>
+          <a:prstGeom prst="rect">
+            <a:avLst/>
+          </a:prstGeom>
+          <a:noFill/>
+        </p:spPr>
+        <p:txBody>
+          <a:bodyPr wrap="square" rtlCol="0">
+            <a:spAutoFit/>
+          </a:bodyPr>
+          <a:lstStyle/>
+          <a:p>
+            <a:r>
+              <a:rPr lang="en-US" dirty="0"/>
+              <a:t>High mortality</a:t>
+            </a:r>
+          </a:p>
+        </p:txBody>
+      </p:sp>
+    </p:spTree>
+    <p:extLst>
+      <p:ext uri="{BB962C8B-B14F-4D97-AF65-F5344CB8AC3E}">
+        <p14:creationId xmlns:p14="http://schemas.microsoft.com/office/powerpoint/2010/main" val="4283234065"/>
+      </p:ext>
+    </p:extLst>
+  </p:cSld>
+  <p:clrMapOvr>
+    <a:masterClrMapping/>
+  </p:clrMapOvr>
+</p:sld>
+</file>
+
+<file path=ppt/slides/slide7.xml><?xml version="1.0" encoding="utf-8"?>
+<p:sld xmlns:a="http://schemas.openxmlformats.org/drawingml/2006/main" xmlns:r="http://schemas.openxmlformats.org/officeDocument/2006/relationships" xmlns:p="http://schemas.openxmlformats.org/presentationml/2006/main">
+  <p:cSld>
+    <p:bg>
+      <p:bgPr>
+        <a:solidFill>
+          <a:schemeClr val="bg1"/>
+        </a:solidFill>
+        <a:effectLst/>
+      </p:bgPr>
+    </p:bg>
+    <p:spTree>
+      <p:nvGrpSpPr>
+        <p:cNvPr id="1" name=""/>
+        <p:cNvGrpSpPr/>
+        <p:nvPr/>
+      </p:nvGrpSpPr>
+      <p:grpSpPr>
+        <a:xfrm>
+          <a:off x="0" y="0"/>
+          <a:ext cx="0" cy="0"/>
+          <a:chOff x="0" y="0"/>
+          <a:chExt cx="0" cy="0"/>
+        </a:xfrm>
+      </p:grpSpPr>
+      <p:sp>
+        <p:nvSpPr>
+          <p:cNvPr id="5" name="TextBox 4">
+            <a:extLst>
+              <a:ext uri="{FF2B5EF4-FFF2-40B4-BE49-F238E27FC236}">
+                <a16:creationId xmlns:a16="http://schemas.microsoft.com/office/drawing/2014/main" id="{45023B22-B75D-B845-B5C5-E2A58AFF2E34}"/>
+              </a:ext>
+            </a:extLst>
+          </p:cNvPr>
+          <p:cNvSpPr txBox="1"/>
+          <p:nvPr/>
+        </p:nvSpPr>
+        <p:spPr>
+          <a:xfrm>
+            <a:off x="542260" y="425302"/>
+            <a:ext cx="2353340" cy="369332"/>
+          </a:xfrm>
+          <a:prstGeom prst="rect">
+            <a:avLst/>
+          </a:prstGeom>
+          <a:noFill/>
+        </p:spPr>
+        <p:txBody>
+          <a:bodyPr wrap="square" rtlCol="0">
+            <a:spAutoFit/>
+          </a:bodyPr>
+          <a:lstStyle/>
+          <a:p>
+            <a:r>
+              <a:rPr lang="en-US" dirty="0"/>
+              <a:t>Seasonal environments</a:t>
+            </a:r>
+          </a:p>
+        </p:txBody>
+      </p:sp>
+      <p:sp>
+        <p:nvSpPr>
+          <p:cNvPr id="6" name="TextBox 5">
+            <a:extLst>
+              <a:ext uri="{FF2B5EF4-FFF2-40B4-BE49-F238E27FC236}">
+                <a16:creationId xmlns:a16="http://schemas.microsoft.com/office/drawing/2014/main" id="{8FB85FC4-A9A2-B548-9619-08C804342EE0}"/>
+              </a:ext>
+            </a:extLst>
+          </p:cNvPr>
+          <p:cNvSpPr txBox="1"/>
+          <p:nvPr/>
+        </p:nvSpPr>
+        <p:spPr>
+          <a:xfrm>
+            <a:off x="4607442" y="2278910"/>
+            <a:ext cx="2353340" cy="369332"/>
+          </a:xfrm>
+          <a:prstGeom prst="rect">
+            <a:avLst/>
+          </a:prstGeom>
+          <a:noFill/>
+        </p:spPr>
+        <p:txBody>
+          <a:bodyPr wrap="square" rtlCol="0">
+            <a:spAutoFit/>
+          </a:bodyPr>
+          <a:lstStyle/>
+          <a:p>
+            <a:r>
+              <a:rPr lang="en-US" dirty="0"/>
+              <a:t>Low mortality</a:t>
+            </a:r>
+          </a:p>
+        </p:txBody>
+      </p:sp>
+      <p:sp>
+        <p:nvSpPr>
+          <p:cNvPr id="7" name="TextBox 6">
+            <a:extLst>
+              <a:ext uri="{FF2B5EF4-FFF2-40B4-BE49-F238E27FC236}">
+                <a16:creationId xmlns:a16="http://schemas.microsoft.com/office/drawing/2014/main" id="{69913DA0-788E-3B46-9465-3714936A8C20}"/>
+              </a:ext>
+            </a:extLst>
+          </p:cNvPr>
+          <p:cNvSpPr txBox="1"/>
+          <p:nvPr/>
+        </p:nvSpPr>
+        <p:spPr>
+          <a:xfrm>
+            <a:off x="5557284" y="3429000"/>
+            <a:ext cx="2353340" cy="369332"/>
+          </a:xfrm>
+          <a:prstGeom prst="rect">
+            <a:avLst/>
+          </a:prstGeom>
+          <a:noFill/>
+        </p:spPr>
+        <p:txBody>
+          <a:bodyPr wrap="square" rtlCol="0">
+            <a:spAutoFit/>
+          </a:bodyPr>
+          <a:lstStyle/>
+          <a:p>
+            <a:r>
+              <a:rPr lang="en-US" dirty="0"/>
+              <a:t>High mortality</a:t>
+            </a:r>
+          </a:p>
+        </p:txBody>
+      </p:sp>
+      <p:pic>
+        <p:nvPicPr>
+          <p:cNvPr id="10" name="Picture 9">
+            <a:extLst>
+              <a:ext uri="{FF2B5EF4-FFF2-40B4-BE49-F238E27FC236}">
+                <a16:creationId xmlns:a16="http://schemas.microsoft.com/office/drawing/2014/main" id="{021B1D5D-91EC-E140-AB25-5AEFB037779E}"/>
+              </a:ext>
+            </a:extLst>
+          </p:cNvPr>
+          <p:cNvPicPr>
+            <a:picLocks noChangeAspect="1"/>
+          </p:cNvPicPr>
+          <p:nvPr/>
+        </p:nvPicPr>
+        <p:blipFill>
+          <a:blip r:embed="rId2"/>
+          <a:stretch>
+            <a:fillRect/>
+          </a:stretch>
+        </p:blipFill>
+        <p:spPr>
+          <a:xfrm>
+            <a:off x="2895600" y="228600"/>
+            <a:ext cx="6400800" cy="6400800"/>
+          </a:xfrm>
+          <a:prstGeom prst="rect">
+            <a:avLst/>
+          </a:prstGeom>
+        </p:spPr>
+      </p:pic>
+      <p:pic>
+        <p:nvPicPr>
+          <p:cNvPr id="11" name="Picture 10">
+            <a:extLst>
+              <a:ext uri="{FF2B5EF4-FFF2-40B4-BE49-F238E27FC236}">
+                <a16:creationId xmlns:a16="http://schemas.microsoft.com/office/drawing/2014/main" id="{13A858F7-9BC1-CA49-97F0-DE11A2CA35E7}"/>
+              </a:ext>
+            </a:extLst>
+          </p:cNvPr>
+          <p:cNvPicPr>
+            <a:picLocks noChangeAspect="1"/>
+          </p:cNvPicPr>
+          <p:nvPr/>
+        </p:nvPicPr>
+        <p:blipFill>
+          <a:blip r:embed="rId3"/>
+          <a:stretch>
+            <a:fillRect/>
+          </a:stretch>
+        </p:blipFill>
+        <p:spPr>
+          <a:xfrm>
+            <a:off x="2895600" y="228600"/>
+            <a:ext cx="6400800" cy="6400800"/>
+          </a:xfrm>
+          <a:prstGeom prst="rect">
+            <a:avLst/>
+          </a:prstGeom>
+        </p:spPr>
+      </p:pic>
+      <p:sp>
+        <p:nvSpPr>
+          <p:cNvPr id="2" name="Rectangle 1">
+            <a:extLst>
+              <a:ext uri="{FF2B5EF4-FFF2-40B4-BE49-F238E27FC236}">
+                <a16:creationId xmlns:a16="http://schemas.microsoft.com/office/drawing/2014/main" id="{C1C6536B-13EB-954B-97D0-DC67D4901C3A}"/>
+              </a:ext>
+            </a:extLst>
+          </p:cNvPr>
+          <p:cNvSpPr/>
+          <p:nvPr/>
+        </p:nvSpPr>
+        <p:spPr>
+          <a:xfrm>
+            <a:off x="3572539" y="2945219"/>
+            <a:ext cx="1594884" cy="1860698"/>
+          </a:xfrm>
+          <a:prstGeom prst="rect">
+            <a:avLst/>
+          </a:prstGeom>
+          <a:noFill/>
+          <a:ln w="57150">
+            <a:solidFill>
+              <a:schemeClr val="tx1"/>
+            </a:solidFill>
+          </a:ln>
+        </p:spPr>
+        <p:style>
+          <a:lnRef idx="2">
+            <a:schemeClr val="accent1">
+              <a:shade val="50000"/>
+            </a:schemeClr>
+          </a:lnRef>
+          <a:fillRef idx="1">
+            <a:schemeClr val="accent1"/>
+          </a:fillRef>
+          <a:effectRef idx="0">
+            <a:schemeClr val="accent1"/>
+          </a:effectRef>
+          <a:fontRef idx="minor">
+            <a:schemeClr val="lt1"/>
+          </a:fontRef>
+        </p:style>
+        <p:txBody>
+          <a:bodyPr rtlCol="0" anchor="ctr"/>
+          <a:lstStyle/>
+          <a:p>
+            <a:pPr algn="ctr"/>
+            <a:endParaRPr lang="en-US"/>
+          </a:p>
+        </p:txBody>
+      </p:sp>
+    </p:spTree>
+    <p:extLst>
+      <p:ext uri="{BB962C8B-B14F-4D97-AF65-F5344CB8AC3E}">
+        <p14:creationId xmlns:p14="http://schemas.microsoft.com/office/powerpoint/2010/main" val="3566744563"/>
+      </p:ext>
+    </p:extLst>
+  </p:cSld>
+  <p:clrMapOvr>
+    <a:masterClrMapping/>
+  </p:clrMapOvr>
+</p:sld>
+</file>
+
+<file path=ppt/slides/slide8.xml><?xml version="1.0" encoding="utf-8"?>
+<p:sld xmlns:a="http://schemas.openxmlformats.org/drawingml/2006/main" xmlns:r="http://schemas.openxmlformats.org/officeDocument/2006/relationships" xmlns:p="http://schemas.openxmlformats.org/presentationml/2006/main">
+  <p:cSld>
+    <p:bg>
+      <p:bgPr>
+        <a:solidFill>
+          <a:schemeClr val="bg1"/>
+        </a:solidFill>
+        <a:effectLst/>
+      </p:bgPr>
+    </p:bg>
+    <p:spTree>
+      <p:nvGrpSpPr>
+        <p:cNvPr id="1" name=""/>
+        <p:cNvGrpSpPr/>
+        <p:nvPr/>
+      </p:nvGrpSpPr>
+      <p:grpSpPr>
+        <a:xfrm>
+          <a:off x="0" y="0"/>
+          <a:ext cx="0" cy="0"/>
+          <a:chOff x="0" y="0"/>
+          <a:chExt cx="0" cy="0"/>
+        </a:xfrm>
+      </p:grpSpPr>
+      <p:pic>
+        <p:nvPicPr>
+          <p:cNvPr id="3" name="Picture 2">
+            <a:extLst>
+              <a:ext uri="{FF2B5EF4-FFF2-40B4-BE49-F238E27FC236}">
+                <a16:creationId xmlns:a16="http://schemas.microsoft.com/office/drawing/2014/main" id="{AE8CC01E-9779-0447-A8BD-D95156C27F34}"/>
+              </a:ext>
+            </a:extLst>
+          </p:cNvPr>
+          <p:cNvPicPr>
+            <a:picLocks noChangeAspect="1"/>
+          </p:cNvPicPr>
+          <p:nvPr/>
+        </p:nvPicPr>
+        <p:blipFill>
+          <a:blip r:embed="rId2"/>
+          <a:stretch>
+            <a:fillRect/>
+          </a:stretch>
+        </p:blipFill>
+        <p:spPr>
+          <a:xfrm>
+            <a:off x="2895600" y="228600"/>
+            <a:ext cx="6400800" cy="6400800"/>
+          </a:xfrm>
+          <a:prstGeom prst="rect">
+            <a:avLst/>
+          </a:prstGeom>
+        </p:spPr>
+      </p:pic>
+      <p:pic>
+        <p:nvPicPr>
+          <p:cNvPr id="2" name="Picture 1">
+            <a:extLst>
+              <a:ext uri="{FF2B5EF4-FFF2-40B4-BE49-F238E27FC236}">
+                <a16:creationId xmlns:a16="http://schemas.microsoft.com/office/drawing/2014/main" id="{2B7D8D47-6EBA-634E-B662-D3D640B06E91}"/>
+              </a:ext>
+            </a:extLst>
+          </p:cNvPr>
+          <p:cNvPicPr>
+            <a:picLocks noChangeAspect="1"/>
+          </p:cNvPicPr>
+          <p:nvPr/>
+        </p:nvPicPr>
+        <p:blipFill>
+          <a:blip r:embed="rId3"/>
+          <a:stretch>
+            <a:fillRect/>
+          </a:stretch>
+        </p:blipFill>
+        <p:spPr>
+          <a:xfrm>
+            <a:off x="2895600" y="228600"/>
+            <a:ext cx="6400800" cy="6400800"/>
+          </a:xfrm>
+          <a:prstGeom prst="rect">
+            <a:avLst/>
+          </a:prstGeom>
+        </p:spPr>
+      </p:pic>
+      <p:sp>
+        <p:nvSpPr>
+          <p:cNvPr id="4" name="TextBox 3">
+            <a:extLst>
+              <a:ext uri="{FF2B5EF4-FFF2-40B4-BE49-F238E27FC236}">
+                <a16:creationId xmlns:a16="http://schemas.microsoft.com/office/drawing/2014/main" id="{139FC35B-1E7C-A440-A271-1B82DE2F270A}"/>
+              </a:ext>
+            </a:extLst>
+          </p:cNvPr>
+          <p:cNvSpPr txBox="1"/>
+          <p:nvPr/>
+        </p:nvSpPr>
+        <p:spPr>
+          <a:xfrm>
+            <a:off x="5557284" y="3429000"/>
+            <a:ext cx="2353340" cy="369332"/>
+          </a:xfrm>
+          <a:prstGeom prst="rect">
+            <a:avLst/>
+          </a:prstGeom>
+          <a:noFill/>
+        </p:spPr>
+        <p:txBody>
+          <a:bodyPr wrap="square" rtlCol="0">
+            <a:spAutoFit/>
+          </a:bodyPr>
+          <a:lstStyle/>
+          <a:p>
+            <a:r>
+              <a:rPr lang="en-US" dirty="0"/>
+              <a:t>High mortality</a:t>
+            </a:r>
+          </a:p>
+        </p:txBody>
+      </p:sp>
+      <p:sp>
+        <p:nvSpPr>
+          <p:cNvPr id="5" name="TextBox 4">
+            <a:extLst>
+              <a:ext uri="{FF2B5EF4-FFF2-40B4-BE49-F238E27FC236}">
+                <a16:creationId xmlns:a16="http://schemas.microsoft.com/office/drawing/2014/main" id="{E287FB39-1129-FE44-B967-E42E7E371E95}"/>
+              </a:ext>
+            </a:extLst>
+          </p:cNvPr>
+          <p:cNvSpPr txBox="1"/>
+          <p:nvPr/>
+        </p:nvSpPr>
+        <p:spPr>
+          <a:xfrm>
+            <a:off x="159489" y="1371600"/>
+            <a:ext cx="3083442" cy="1323439"/>
+          </a:xfrm>
+          <a:prstGeom prst="rect">
+            <a:avLst/>
+          </a:prstGeom>
+          <a:noFill/>
+        </p:spPr>
+        <p:txBody>
+          <a:bodyPr wrap="square" rtlCol="0">
+            <a:spAutoFit/>
+          </a:bodyPr>
+          <a:lstStyle/>
+          <a:p>
+            <a:r>
+              <a:rPr lang="en-US" sz="6600" baseline="-25000" dirty="0"/>
+              <a:t>*</a:t>
+            </a:r>
+            <a:r>
+              <a:rPr lang="en-US" dirty="0"/>
+              <a:t> = Short “winter” (3 month productive cold season, instead of six month)</a:t>
+            </a:r>
+          </a:p>
+        </p:txBody>
+      </p:sp>
+      <p:sp>
+        <p:nvSpPr>
+          <p:cNvPr id="6" name="TextBox 5">
+            <a:extLst>
+              <a:ext uri="{FF2B5EF4-FFF2-40B4-BE49-F238E27FC236}">
+                <a16:creationId xmlns:a16="http://schemas.microsoft.com/office/drawing/2014/main" id="{21E4D44B-D70F-8F47-A355-69238184ECAA}"/>
+              </a:ext>
+            </a:extLst>
+          </p:cNvPr>
+          <p:cNvSpPr txBox="1"/>
+          <p:nvPr/>
+        </p:nvSpPr>
+        <p:spPr>
+          <a:xfrm>
+            <a:off x="542260" y="425302"/>
+            <a:ext cx="2353340" cy="369332"/>
+          </a:xfrm>
+          <a:prstGeom prst="rect">
+            <a:avLst/>
+          </a:prstGeom>
+          <a:noFill/>
+        </p:spPr>
+        <p:txBody>
+          <a:bodyPr wrap="square" rtlCol="0">
+            <a:spAutoFit/>
+          </a:bodyPr>
+          <a:lstStyle/>
+          <a:p>
+            <a:r>
+              <a:rPr lang="en-US" dirty="0"/>
+              <a:t>Seasonal environments</a:t>
+            </a:r>
+          </a:p>
+        </p:txBody>
+      </p:sp>
+    </p:spTree>
+    <p:extLst>
+      <p:ext uri="{BB962C8B-B14F-4D97-AF65-F5344CB8AC3E}">
+        <p14:creationId xmlns:p14="http://schemas.microsoft.com/office/powerpoint/2010/main" val="1289875047"/>
+      </p:ext>
+    </p:extLst>
+  </p:cSld>
+  <p:clrMapOvr>
+    <a:masterClrMapping/>
+  </p:clrMapOvr>
+</p:sld>
+</file>
+
+<file path=ppt/slides/slide9.xml><?xml version="1.0" encoding="utf-8"?>
 <p:sld xmlns:a="http://schemas.openxmlformats.org/drawingml/2006/main" xmlns:r="http://schemas.openxmlformats.org/officeDocument/2006/relationships" xmlns:p="http://schemas.openxmlformats.org/presentationml/2006/main">
   <p:cSld>
     <p:spTree>
@@ -3454,10 +7268,10 @@
       </p:grpSpPr>
       <p:sp>
         <p:nvSpPr>
-          <p:cNvPr id="5" name="TextBox 4">
-            <a:extLst>
-              <a:ext uri="{FF2B5EF4-FFF2-40B4-BE49-F238E27FC236}">
-                <a16:creationId xmlns:a16="http://schemas.microsoft.com/office/drawing/2014/main" id="{45023B22-B75D-B845-B5C5-E2A58AFF2E34}"/>
+          <p:cNvPr id="2" name="TextBox 1">
+            <a:extLst>
+              <a:ext uri="{FF2B5EF4-FFF2-40B4-BE49-F238E27FC236}">
+                <a16:creationId xmlns:a16="http://schemas.microsoft.com/office/drawing/2014/main" id="{C43EE424-1BE0-7844-91EE-123064B908D8}"/>
               </a:ext>
             </a:extLst>
           </p:cNvPr>
@@ -3466,8 +7280,8 @@
         </p:nvSpPr>
         <p:spPr>
           <a:xfrm>
-            <a:off x="542260" y="425302"/>
-            <a:ext cx="2353340" cy="369332"/>
+            <a:off x="928688" y="442913"/>
+            <a:ext cx="10172700" cy="6186309"/>
           </a:xfrm>
           <a:prstGeom prst="rect">
             <a:avLst/>
@@ -3481,146 +7295,86 @@
           <a:lstStyle/>
           <a:p>
             <a:r>
-              <a:rPr lang="en-US" dirty="0"/>
-              <a:t>Seasonal environments</a:t>
-            </a:r>
-          </a:p>
-        </p:txBody>
-      </p:sp>
-      <p:sp>
-        <p:nvSpPr>
-          <p:cNvPr id="6" name="TextBox 5">
-            <a:extLst>
-              <a:ext uri="{FF2B5EF4-FFF2-40B4-BE49-F238E27FC236}">
-                <a16:creationId xmlns:a16="http://schemas.microsoft.com/office/drawing/2014/main" id="{8FB85FC4-A9A2-B548-9619-08C804342EE0}"/>
-              </a:ext>
-            </a:extLst>
-          </p:cNvPr>
-          <p:cNvSpPr txBox="1"/>
-          <p:nvPr/>
-        </p:nvSpPr>
-        <p:spPr>
-          <a:xfrm>
-            <a:off x="4607442" y="2278910"/>
-            <a:ext cx="2353340" cy="369332"/>
-          </a:xfrm>
-          <a:prstGeom prst="rect">
-            <a:avLst/>
-          </a:prstGeom>
-          <a:noFill/>
-        </p:spPr>
-        <p:txBody>
-          <a:bodyPr wrap="square" rtlCol="0">
-            <a:spAutoFit/>
-          </a:bodyPr>
-          <a:lstStyle/>
-          <a:p>
-            <a:r>
-              <a:rPr lang="en-US" dirty="0"/>
-              <a:t>Low mortality</a:t>
-            </a:r>
-          </a:p>
-        </p:txBody>
-      </p:sp>
-      <p:sp>
-        <p:nvSpPr>
-          <p:cNvPr id="7" name="TextBox 6">
-            <a:extLst>
-              <a:ext uri="{FF2B5EF4-FFF2-40B4-BE49-F238E27FC236}">
-                <a16:creationId xmlns:a16="http://schemas.microsoft.com/office/drawing/2014/main" id="{69913DA0-788E-3B46-9465-3714936A8C20}"/>
-              </a:ext>
-            </a:extLst>
-          </p:cNvPr>
-          <p:cNvSpPr txBox="1"/>
-          <p:nvPr/>
-        </p:nvSpPr>
-        <p:spPr>
-          <a:xfrm>
-            <a:off x="5557284" y="3429000"/>
-            <a:ext cx="2353340" cy="369332"/>
-          </a:xfrm>
-          <a:prstGeom prst="rect">
-            <a:avLst/>
-          </a:prstGeom>
-          <a:noFill/>
-        </p:spPr>
-        <p:txBody>
-          <a:bodyPr wrap="square" rtlCol="0">
-            <a:spAutoFit/>
-          </a:bodyPr>
-          <a:lstStyle/>
-          <a:p>
-            <a:r>
-              <a:rPr lang="en-US" dirty="0"/>
-              <a:t>High mortality</a:t>
-            </a:r>
-          </a:p>
-        </p:txBody>
-      </p:sp>
-      <p:pic>
-        <p:nvPicPr>
-          <p:cNvPr id="8" name="Picture 7">
-            <a:extLst>
-              <a:ext uri="{FF2B5EF4-FFF2-40B4-BE49-F238E27FC236}">
-                <a16:creationId xmlns:a16="http://schemas.microsoft.com/office/drawing/2014/main" id="{2B41CE18-E268-244F-873F-2D72A4A8E745}"/>
-              </a:ext>
-            </a:extLst>
-          </p:cNvPr>
-          <p:cNvPicPr>
-            <a:picLocks noChangeAspect="1"/>
-          </p:cNvPicPr>
-          <p:nvPr/>
-        </p:nvPicPr>
-        <p:blipFill>
-          <a:blip r:embed="rId2"/>
-          <a:stretch>
-            <a:fillRect/>
-          </a:stretch>
-        </p:blipFill>
-        <p:spPr>
-          <a:xfrm>
-            <a:off x="2895600" y="228600"/>
-            <a:ext cx="6400800" cy="6400800"/>
-          </a:xfrm>
-          <a:prstGeom prst="rect">
-            <a:avLst/>
-          </a:prstGeom>
-        </p:spPr>
-      </p:pic>
-      <p:pic>
-        <p:nvPicPr>
-          <p:cNvPr id="3" name="Picture 2">
-            <a:extLst>
-              <a:ext uri="{FF2B5EF4-FFF2-40B4-BE49-F238E27FC236}">
-                <a16:creationId xmlns:a16="http://schemas.microsoft.com/office/drawing/2014/main" id="{2BFAB6B6-8495-4844-A6A3-879C7B0C0B3E}"/>
-              </a:ext>
-            </a:extLst>
-          </p:cNvPr>
-          <p:cNvPicPr>
-            <a:picLocks noChangeAspect="1"/>
-          </p:cNvPicPr>
-          <p:nvPr/>
-        </p:nvPicPr>
-        <p:blipFill>
-          <a:blip r:embed="rId3"/>
-          <a:stretch>
-            <a:fillRect/>
-          </a:stretch>
-        </p:blipFill>
-        <p:spPr>
-          <a:xfrm>
-            <a:off x="2895600" y="228600"/>
-            <a:ext cx="6400800" cy="6400800"/>
-          </a:xfrm>
-          <a:prstGeom prst="rect">
-            <a:avLst/>
-          </a:prstGeom>
-        </p:spPr>
-      </p:pic>
+              <a:rPr lang="en-US" sz="4000" dirty="0"/>
+              <a:t>Summary</a:t>
+            </a:r>
+          </a:p>
+          <a:p>
+            <a:endParaRPr lang="en-US" sz="3600" dirty="0"/>
+          </a:p>
+          <a:p>
+            <a:pPr marL="1028700" lvl="1" indent="-571500">
+              <a:buFont typeface="Arial" panose="020B0604020202020204" pitchFamily="34" charset="0"/>
+              <a:buChar char="•"/>
+            </a:pPr>
+            <a:r>
+              <a:rPr lang="en-US" sz="3200" dirty="0"/>
+              <a:t>Spectrum richness </a:t>
+            </a:r>
+            <a:r>
+              <a:rPr lang="en-US" sz="3200" dirty="0">
+                <a:latin typeface="Times" pitchFamily="2" charset="0"/>
+              </a:rPr>
+              <a:t>K</a:t>
+            </a:r>
+            <a:r>
+              <a:rPr lang="en-US" sz="3200" dirty="0"/>
+              <a:t> has the biggest effect on growth/body size</a:t>
+            </a:r>
+          </a:p>
+          <a:p>
+            <a:pPr marL="1028700" lvl="1" indent="-571500">
+              <a:buFont typeface="Arial" panose="020B0604020202020204" pitchFamily="34" charset="0"/>
+              <a:buChar char="•"/>
+            </a:pPr>
+            <a:r>
+              <a:rPr lang="en-US" sz="3200" dirty="0"/>
+              <a:t>The smallest fish (~&lt; 100 cm) evolve at low </a:t>
+            </a:r>
+            <a:r>
+              <a:rPr lang="en-US" sz="3200" dirty="0">
+                <a:latin typeface="Times" pitchFamily="2" charset="0"/>
+              </a:rPr>
+              <a:t>K</a:t>
+            </a:r>
+            <a:r>
+              <a:rPr lang="en-US" sz="3200" dirty="0"/>
+              <a:t> with hungry, efficient predators (results still coming in)</a:t>
+            </a:r>
+          </a:p>
+          <a:p>
+            <a:pPr marL="1028700" lvl="1" indent="-571500">
+              <a:buFont typeface="Arial" panose="020B0604020202020204" pitchFamily="34" charset="0"/>
+              <a:buChar char="•"/>
+            </a:pPr>
+            <a:r>
+              <a:rPr lang="en-US" sz="3200" dirty="0"/>
+              <a:t>Temperature effects: warmer usually smaller, all else equal</a:t>
+            </a:r>
+          </a:p>
+          <a:p>
+            <a:pPr marL="1028700" lvl="1" indent="-571500">
+              <a:buFont typeface="Arial" panose="020B0604020202020204" pitchFamily="34" charset="0"/>
+              <a:buChar char="•"/>
+            </a:pPr>
+            <a:endParaRPr lang="en-US" sz="3200" dirty="0"/>
+          </a:p>
+          <a:p>
+            <a:pPr marL="1028700" lvl="1" indent="-571500">
+              <a:buFont typeface="Arial" panose="020B0604020202020204" pitchFamily="34" charset="0"/>
+              <a:buChar char="•"/>
+            </a:pPr>
+            <a:r>
+              <a:rPr lang="en-US" sz="3200" dirty="0"/>
+              <a:t>Seasonality effects: Seasonal environments favor larger body sizes, especially when productive winter is long (6 months)</a:t>
+            </a:r>
+          </a:p>
+        </p:txBody>
+      </p:sp>
     </p:spTree>
     <p:extLst>
       <p:ext uri="{BB962C8B-B14F-4D97-AF65-F5344CB8AC3E}">
-        <p14:creationId xmlns:p14="http://schemas.microsoft.com/office/powerpoint/2010/main" val="4283234065"/>
+        <p14:creationId xmlns:p14="http://schemas.microsoft.com/office/powerpoint/2010/main" val="3251315382"/>
       </p:ext>
     </p:extLst>
   </p:cSld>
@@ -3923,4 +7677,299 @@
     </a:ext>
   </a:extLst>
 </a:theme>
+</file>
+
+<file path=ppt/theme/theme2.xml><?xml version="1.0" encoding="utf-8"?>
+<a:theme xmlns:a="http://schemas.openxmlformats.org/drawingml/2006/main" name="Office Theme">
+  <a:themeElements>
+    <a:clrScheme name="Office">
+      <a:dk1>
+        <a:sysClr val="windowText" lastClr="000000"/>
+      </a:dk1>
+      <a:lt1>
+        <a:sysClr val="window" lastClr="FFFFFF"/>
+      </a:lt1>
+      <a:dk2>
+        <a:srgbClr val="44546A"/>
+      </a:dk2>
+      <a:lt2>
+        <a:srgbClr val="E7E6E6"/>
+      </a:lt2>
+      <a:accent1>
+        <a:srgbClr val="4472C4"/>
+      </a:accent1>
+      <a:accent2>
+        <a:srgbClr val="ED7D31"/>
+      </a:accent2>
+      <a:accent3>
+        <a:srgbClr val="A5A5A5"/>
+      </a:accent3>
+      <a:accent4>
+        <a:srgbClr val="FFC000"/>
+      </a:accent4>
+      <a:accent5>
+        <a:srgbClr val="5B9BD5"/>
+      </a:accent5>
+      <a:accent6>
+        <a:srgbClr val="70AD47"/>
+      </a:accent6>
+      <a:hlink>
+        <a:srgbClr val="0563C1"/>
+      </a:hlink>
+      <a:folHlink>
+        <a:srgbClr val="954F72"/>
+      </a:folHlink>
+    </a:clrScheme>
+    <a:fontScheme name="Office">
+      <a:majorFont>
+        <a:latin typeface="Calibri Light" panose="020F0302020204030204"/>
+        <a:ea typeface=""/>
+        <a:cs typeface=""/>
+        <a:font script="Jpan" typeface="游ゴシック Light"/>
+        <a:font script="Hang" typeface="맑은 고딕"/>
+        <a:font script="Hans" typeface="等线 Light"/>
+        <a:font script="Hant" typeface="新細明體"/>
+        <a:font script="Arab" typeface="Times New Roman"/>
+        <a:font script="Hebr" typeface="Times New Roman"/>
+        <a:font script="Thai" typeface="Angsana New"/>
+        <a:font script="Ethi" typeface="Nyala"/>
+        <a:font script="Beng" typeface="Vrinda"/>
+        <a:font script="Gujr" typeface="Shruti"/>
+        <a:font script="Khmr" typeface="MoolBoran"/>
+        <a:font script="Knda" typeface="Tunga"/>
+        <a:font script="Guru" typeface="Raavi"/>
+        <a:font script="Cans" typeface="Euphemia"/>
+        <a:font script="Cher" typeface="Plantagenet Cherokee"/>
+        <a:font script="Yiii" typeface="Microsoft Yi Baiti"/>
+        <a:font script="Tibt" typeface="Microsoft Himalaya"/>
+        <a:font script="Thaa" typeface="MV Boli"/>
+        <a:font script="Deva" typeface="Mangal"/>
+        <a:font script="Telu" typeface="Gautami"/>
+        <a:font script="Taml" typeface="Latha"/>
+        <a:font script="Syrc" typeface="Estrangelo Edessa"/>
+        <a:font script="Orya" typeface="Kalinga"/>
+        <a:font script="Mlym" typeface="Kartika"/>
+        <a:font script="Laoo" typeface="DokChampa"/>
+        <a:font script="Sinh" typeface="Iskoola Pota"/>
+        <a:font script="Mong" typeface="Mongolian Baiti"/>
+        <a:font script="Viet" typeface="Times New Roman"/>
+        <a:font script="Uigh" typeface="Microsoft Uighur"/>
+        <a:font script="Geor" typeface="Sylfaen"/>
+        <a:font script="Armn" typeface="Arial"/>
+        <a:font script="Bugi" typeface="Leelawadee UI"/>
+        <a:font script="Bopo" typeface="Microsoft JhengHei"/>
+        <a:font script="Java" typeface="Javanese Text"/>
+        <a:font script="Lisu" typeface="Segoe UI"/>
+        <a:font script="Mymr" typeface="Myanmar Text"/>
+        <a:font script="Nkoo" typeface="Ebrima"/>
+        <a:font script="Olck" typeface="Nirmala UI"/>
+        <a:font script="Osma" typeface="Ebrima"/>
+        <a:font script="Phag" typeface="Phagspa"/>
+        <a:font script="Syrn" typeface="Estrangelo Edessa"/>
+        <a:font script="Syrj" typeface="Estrangelo Edessa"/>
+        <a:font script="Syre" typeface="Estrangelo Edessa"/>
+        <a:font script="Sora" typeface="Nirmala UI"/>
+        <a:font script="Tale" typeface="Microsoft Tai Le"/>
+        <a:font script="Talu" typeface="Microsoft New Tai Lue"/>
+        <a:font script="Tfng" typeface="Ebrima"/>
+      </a:majorFont>
+      <a:minorFont>
+        <a:latin typeface="Calibri" panose="020F0502020204030204"/>
+        <a:ea typeface=""/>
+        <a:cs typeface=""/>
+        <a:font script="Jpan" typeface="游ゴシック"/>
+        <a:font script="Hang" typeface="맑은 고딕"/>
+        <a:font script="Hans" typeface="等线"/>
+        <a:font script="Hant" typeface="新細明體"/>
+        <a:font script="Arab" typeface="Arial"/>
+        <a:font script="Hebr" typeface="Arial"/>
+        <a:font script="Thai" typeface="Cordia New"/>
+        <a:font script="Ethi" typeface="Nyala"/>
+        <a:font script="Beng" typeface="Vrinda"/>
+        <a:font script="Gujr" typeface="Shruti"/>
+        <a:font script="Khmr" typeface="DaunPenh"/>
+        <a:font script="Knda" typeface="Tunga"/>
+        <a:font script="Guru" typeface="Raavi"/>
+        <a:font script="Cans" typeface="Euphemia"/>
+        <a:font script="Cher" typeface="Plantagenet Cherokee"/>
+        <a:font script="Yiii" typeface="Microsoft Yi Baiti"/>
+        <a:font script="Tibt" typeface="Microsoft Himalaya"/>
+        <a:font script="Thaa" typeface="MV Boli"/>
+        <a:font script="Deva" typeface="Mangal"/>
+        <a:font script="Telu" typeface="Gautami"/>
+        <a:font script="Taml" typeface="Latha"/>
+        <a:font script="Syrc" typeface="Estrangelo Edessa"/>
+        <a:font script="Orya" typeface="Kalinga"/>
+        <a:font script="Mlym" typeface="Kartika"/>
+        <a:font script="Laoo" typeface="DokChampa"/>
+        <a:font script="Sinh" typeface="Iskoola Pota"/>
+        <a:font script="Mong" typeface="Mongolian Baiti"/>
+        <a:font script="Viet" typeface="Arial"/>
+        <a:font script="Uigh" typeface="Microsoft Uighur"/>
+        <a:font script="Geor" typeface="Sylfaen"/>
+        <a:font script="Armn" typeface="Arial"/>
+        <a:font script="Bugi" typeface="Leelawadee UI"/>
+        <a:font script="Bopo" typeface="Microsoft JhengHei"/>
+        <a:font script="Java" typeface="Javanese Text"/>
+        <a:font script="Lisu" typeface="Segoe UI"/>
+        <a:font script="Mymr" typeface="Myanmar Text"/>
+        <a:font script="Nkoo" typeface="Ebrima"/>
+        <a:font script="Olck" typeface="Nirmala UI"/>
+        <a:font script="Osma" typeface="Ebrima"/>
+        <a:font script="Phag" typeface="Phagspa"/>
+        <a:font script="Syrn" typeface="Estrangelo Edessa"/>
+        <a:font script="Syrj" typeface="Estrangelo Edessa"/>
+        <a:font script="Syre" typeface="Estrangelo Edessa"/>
+        <a:font script="Sora" typeface="Nirmala UI"/>
+        <a:font script="Tale" typeface="Microsoft Tai Le"/>
+        <a:font script="Talu" typeface="Microsoft New Tai Lue"/>
+        <a:font script="Tfng" typeface="Ebrima"/>
+      </a:minorFont>
+    </a:fontScheme>
+    <a:fmtScheme name="Office">
+      <a:fillStyleLst>
+        <a:solidFill>
+          <a:schemeClr val="phClr"/>
+        </a:solidFill>
+        <a:gradFill rotWithShape="1">
+          <a:gsLst>
+            <a:gs pos="0">
+              <a:schemeClr val="phClr">
+                <a:lumMod val="110000"/>
+                <a:satMod val="105000"/>
+                <a:tint val="67000"/>
+              </a:schemeClr>
+            </a:gs>
+            <a:gs pos="50000">
+              <a:schemeClr val="phClr">
+                <a:lumMod val="105000"/>
+                <a:satMod val="103000"/>
+                <a:tint val="73000"/>
+              </a:schemeClr>
+            </a:gs>
+            <a:gs pos="100000">
+              <a:schemeClr val="phClr">
+                <a:lumMod val="105000"/>
+                <a:satMod val="109000"/>
+                <a:tint val="81000"/>
+              </a:schemeClr>
+            </a:gs>
+          </a:gsLst>
+          <a:lin ang="5400000" scaled="0"/>
+        </a:gradFill>
+        <a:gradFill rotWithShape="1">
+          <a:gsLst>
+            <a:gs pos="0">
+              <a:schemeClr val="phClr">
+                <a:satMod val="103000"/>
+                <a:lumMod val="102000"/>
+                <a:tint val="94000"/>
+              </a:schemeClr>
+            </a:gs>
+            <a:gs pos="50000">
+              <a:schemeClr val="phClr">
+                <a:satMod val="110000"/>
+                <a:lumMod val="100000"/>
+                <a:shade val="100000"/>
+              </a:schemeClr>
+            </a:gs>
+            <a:gs pos="100000">
+              <a:schemeClr val="phClr">
+                <a:lumMod val="99000"/>
+                <a:satMod val="120000"/>
+                <a:shade val="78000"/>
+              </a:schemeClr>
+            </a:gs>
+          </a:gsLst>
+          <a:lin ang="5400000" scaled="0"/>
+        </a:gradFill>
+      </a:fillStyleLst>
+      <a:lnStyleLst>
+        <a:ln w="6350" cap="flat" cmpd="sng" algn="ctr">
+          <a:solidFill>
+            <a:schemeClr val="phClr"/>
+          </a:solidFill>
+          <a:prstDash val="solid"/>
+          <a:miter lim="800000"/>
+        </a:ln>
+        <a:ln w="12700" cap="flat" cmpd="sng" algn="ctr">
+          <a:solidFill>
+            <a:schemeClr val="phClr"/>
+          </a:solidFill>
+          <a:prstDash val="solid"/>
+          <a:miter lim="800000"/>
+        </a:ln>
+        <a:ln w="19050" cap="flat" cmpd="sng" algn="ctr">
+          <a:solidFill>
+            <a:schemeClr val="phClr"/>
+          </a:solidFill>
+          <a:prstDash val="solid"/>
+          <a:miter lim="800000"/>
+        </a:ln>
+      </a:lnStyleLst>
+      <a:effectStyleLst>
+        <a:effectStyle>
+          <a:effectLst/>
+        </a:effectStyle>
+        <a:effectStyle>
+          <a:effectLst/>
+        </a:effectStyle>
+        <a:effectStyle>
+          <a:effectLst>
+            <a:outerShdw blurRad="57150" dist="19050" dir="5400000" algn="ctr" rotWithShape="0">
+              <a:srgbClr val="000000">
+                <a:alpha val="63000"/>
+              </a:srgbClr>
+            </a:outerShdw>
+          </a:effectLst>
+        </a:effectStyle>
+      </a:effectStyleLst>
+      <a:bgFillStyleLst>
+        <a:solidFill>
+          <a:schemeClr val="phClr"/>
+        </a:solidFill>
+        <a:solidFill>
+          <a:schemeClr val="phClr">
+            <a:tint val="95000"/>
+            <a:satMod val="170000"/>
+          </a:schemeClr>
+        </a:solidFill>
+        <a:gradFill rotWithShape="1">
+          <a:gsLst>
+            <a:gs pos="0">
+              <a:schemeClr val="phClr">
+                <a:tint val="93000"/>
+                <a:satMod val="150000"/>
+                <a:shade val="98000"/>
+                <a:lumMod val="102000"/>
+              </a:schemeClr>
+            </a:gs>
+            <a:gs pos="50000">
+              <a:schemeClr val="phClr">
+                <a:tint val="98000"/>
+                <a:satMod val="130000"/>
+                <a:shade val="90000"/>
+                <a:lumMod val="103000"/>
+              </a:schemeClr>
+            </a:gs>
+            <a:gs pos="100000">
+              <a:schemeClr val="phClr">
+                <a:shade val="63000"/>
+                <a:satMod val="120000"/>
+              </a:schemeClr>
+            </a:gs>
+          </a:gsLst>
+          <a:lin ang="5400000" scaled="0"/>
+        </a:gradFill>
+      </a:bgFillStyleLst>
+    </a:fmtScheme>
+  </a:themeElements>
+  <a:objectDefaults/>
+  <a:extraClrSchemeLst/>
+  <a:extLst>
+    <a:ext uri="{05A4C25C-085E-4340-85A3-A5531E510DB2}">
+      <thm15:themeFamily xmlns:thm15="http://schemas.microsoft.com/office/thememl/2012/main" name="Office Theme" id="{62F939B6-93AF-4DB8-9C6B-D6C7DFDC589F}" vid="{4A3C46E8-61CC-4603-A589-7422A47A8E4A}"/>
+    </a:ext>
+  </a:extLst>
+</a:theme>
 </file>
--- a/new results.pptx
+++ b/new results.pptx
@@ -5,7 +5,7 @@
     <p:sldMasterId id="2147483648" r:id="rId1"/>
   </p:sldMasterIdLst>
   <p:notesMasterIdLst>
-    <p:notesMasterId r:id="rId13"/>
+    <p:notesMasterId r:id="rId14"/>
   </p:notesMasterIdLst>
   <p:sldIdLst>
     <p:sldId id="309" r:id="rId2"/>
@@ -19,6 +19,7 @@
     <p:sldId id="314" r:id="rId10"/>
     <p:sldId id="261" r:id="rId11"/>
     <p:sldId id="315" r:id="rId12"/>
+    <p:sldId id="316" r:id="rId13"/>
   </p:sldIdLst>
   <p:sldSz cx="12192000" cy="6858000"/>
   <p:notesSz cx="6858000" cy="9144000"/>
@@ -207,7 +208,7 @@
           <a:p>
             <a:fld id="{4543A3A9-CBF7-3D4B-AD57-D218981C1820}" type="datetimeFigureOut">
               <a:rPr lang="en-US" smtClean="0"/>
-              <a:t>7/2/21</a:t>
+              <a:t>7/21/21</a:t>
             </a:fld>
             <a:endParaRPr lang="en-US"/>
           </a:p>
@@ -795,7 +796,7 @@
           <a:p>
             <a:fld id="{E9F44119-0174-E745-9662-06438F1C59C4}" type="datetimeFigureOut">
               <a:rPr lang="en-US" smtClean="0"/>
-              <a:t>7/2/21</a:t>
+              <a:t>7/21/21</a:t>
             </a:fld>
             <a:endParaRPr lang="en-US"/>
           </a:p>
@@ -993,7 +994,7 @@
           <a:p>
             <a:fld id="{E9F44119-0174-E745-9662-06438F1C59C4}" type="datetimeFigureOut">
               <a:rPr lang="en-US" smtClean="0"/>
-              <a:t>7/2/21</a:t>
+              <a:t>7/21/21</a:t>
             </a:fld>
             <a:endParaRPr lang="en-US"/>
           </a:p>
@@ -1201,7 +1202,7 @@
           <a:p>
             <a:fld id="{E9F44119-0174-E745-9662-06438F1C59C4}" type="datetimeFigureOut">
               <a:rPr lang="en-US" smtClean="0"/>
-              <a:t>7/2/21</a:t>
+              <a:t>7/21/21</a:t>
             </a:fld>
             <a:endParaRPr lang="en-US"/>
           </a:p>
@@ -1399,7 +1400,7 @@
           <a:p>
             <a:fld id="{E9F44119-0174-E745-9662-06438F1C59C4}" type="datetimeFigureOut">
               <a:rPr lang="en-US" smtClean="0"/>
-              <a:t>7/2/21</a:t>
+              <a:t>7/21/21</a:t>
             </a:fld>
             <a:endParaRPr lang="en-US"/>
           </a:p>
@@ -1674,7 +1675,7 @@
           <a:p>
             <a:fld id="{E9F44119-0174-E745-9662-06438F1C59C4}" type="datetimeFigureOut">
               <a:rPr lang="en-US" smtClean="0"/>
-              <a:t>7/2/21</a:t>
+              <a:t>7/21/21</a:t>
             </a:fld>
             <a:endParaRPr lang="en-US"/>
           </a:p>
@@ -1939,7 +1940,7 @@
           <a:p>
             <a:fld id="{E9F44119-0174-E745-9662-06438F1C59C4}" type="datetimeFigureOut">
               <a:rPr lang="en-US" smtClean="0"/>
-              <a:t>7/2/21</a:t>
+              <a:t>7/21/21</a:t>
             </a:fld>
             <a:endParaRPr lang="en-US"/>
           </a:p>
@@ -2351,7 +2352,7 @@
           <a:p>
             <a:fld id="{E9F44119-0174-E745-9662-06438F1C59C4}" type="datetimeFigureOut">
               <a:rPr lang="en-US" smtClean="0"/>
-              <a:t>7/2/21</a:t>
+              <a:t>7/21/21</a:t>
             </a:fld>
             <a:endParaRPr lang="en-US"/>
           </a:p>
@@ -2492,7 +2493,7 @@
           <a:p>
             <a:fld id="{E9F44119-0174-E745-9662-06438F1C59C4}" type="datetimeFigureOut">
               <a:rPr lang="en-US" smtClean="0"/>
-              <a:t>7/2/21</a:t>
+              <a:t>7/21/21</a:t>
             </a:fld>
             <a:endParaRPr lang="en-US"/>
           </a:p>
@@ -2605,7 +2606,7 @@
           <a:p>
             <a:fld id="{E9F44119-0174-E745-9662-06438F1C59C4}" type="datetimeFigureOut">
               <a:rPr lang="en-US" smtClean="0"/>
-              <a:t>7/2/21</a:t>
+              <a:t>7/21/21</a:t>
             </a:fld>
             <a:endParaRPr lang="en-US"/>
           </a:p>
@@ -2916,7 +2917,7 @@
           <a:p>
             <a:fld id="{E9F44119-0174-E745-9662-06438F1C59C4}" type="datetimeFigureOut">
               <a:rPr lang="en-US" smtClean="0"/>
-              <a:t>7/2/21</a:t>
+              <a:t>7/21/21</a:t>
             </a:fld>
             <a:endParaRPr lang="en-US"/>
           </a:p>
@@ -3204,7 +3205,7 @@
           <a:p>
             <a:fld id="{E9F44119-0174-E745-9662-06438F1C59C4}" type="datetimeFigureOut">
               <a:rPr lang="en-US" smtClean="0"/>
-              <a:t>7/2/21</a:t>
+              <a:t>7/21/21</a:t>
             </a:fld>
             <a:endParaRPr lang="en-US"/>
           </a:p>
@@ -3445,7 +3446,7 @@
           <a:p>
             <a:fld id="{E9F44119-0174-E745-9662-06438F1C59C4}" type="datetimeFigureOut">
               <a:rPr lang="en-US" smtClean="0"/>
-              <a:t>7/2/21</a:t>
+              <a:t>7/21/21</a:t>
             </a:fld>
             <a:endParaRPr lang="en-US"/>
           </a:p>
@@ -5346,6 +5347,149 @@
     <p:extLst>
       <p:ext uri="{BB962C8B-B14F-4D97-AF65-F5344CB8AC3E}">
         <p14:creationId xmlns:p14="http://schemas.microsoft.com/office/powerpoint/2010/main" val="2597511832"/>
+      </p:ext>
+    </p:extLst>
+  </p:cSld>
+  <p:clrMapOvr>
+    <a:masterClrMapping/>
+  </p:clrMapOvr>
+</p:sld>
+</file>
+
+<file path=ppt/slides/slide12.xml><?xml version="1.0" encoding="utf-8"?>
+<p:sld xmlns:a="http://schemas.openxmlformats.org/drawingml/2006/main" xmlns:r="http://schemas.openxmlformats.org/officeDocument/2006/relationships" xmlns:p="http://schemas.openxmlformats.org/presentationml/2006/main">
+  <p:cSld>
+    <p:spTree>
+      <p:nvGrpSpPr>
+        <p:cNvPr id="1" name=""/>
+        <p:cNvGrpSpPr/>
+        <p:nvPr/>
+      </p:nvGrpSpPr>
+      <p:grpSpPr>
+        <a:xfrm>
+          <a:off x="0" y="0"/>
+          <a:ext cx="0" cy="0"/>
+          <a:chOff x="0" y="0"/>
+          <a:chExt cx="0" cy="0"/>
+        </a:xfrm>
+      </p:grpSpPr>
+      <p:pic>
+        <p:nvPicPr>
+          <p:cNvPr id="3" name="Picture 2">
+            <a:extLst>
+              <a:ext uri="{FF2B5EF4-FFF2-40B4-BE49-F238E27FC236}">
+                <a16:creationId xmlns:a16="http://schemas.microsoft.com/office/drawing/2014/main" id="{C2C69C12-ED32-724B-8C1D-47077D26311E}"/>
+              </a:ext>
+            </a:extLst>
+          </p:cNvPr>
+          <p:cNvPicPr>
+            <a:picLocks noChangeAspect="1"/>
+          </p:cNvPicPr>
+          <p:nvPr/>
+        </p:nvPicPr>
+        <p:blipFill>
+          <a:blip r:embed="rId2"/>
+          <a:stretch>
+            <a:fillRect/>
+          </a:stretch>
+        </p:blipFill>
+        <p:spPr>
+          <a:xfrm>
+            <a:off x="2895600" y="228600"/>
+            <a:ext cx="6400800" cy="6400800"/>
+          </a:xfrm>
+          <a:prstGeom prst="rect">
+            <a:avLst/>
+          </a:prstGeom>
+        </p:spPr>
+      </p:pic>
+      <p:sp>
+        <p:nvSpPr>
+          <p:cNvPr id="4" name="TextBox 3">
+            <a:extLst>
+              <a:ext uri="{FF2B5EF4-FFF2-40B4-BE49-F238E27FC236}">
+                <a16:creationId xmlns:a16="http://schemas.microsoft.com/office/drawing/2014/main" id="{E6201B27-5E5B-794C-8781-78F6B0817298}"/>
+              </a:ext>
+            </a:extLst>
+          </p:cNvPr>
+          <p:cNvSpPr txBox="1"/>
+          <p:nvPr/>
+        </p:nvSpPr>
+        <p:spPr>
+          <a:xfrm>
+            <a:off x="4614530" y="1350334"/>
+            <a:ext cx="1605516" cy="369332"/>
+          </a:xfrm>
+          <a:prstGeom prst="rect">
+            <a:avLst/>
+          </a:prstGeom>
+          <a:noFill/>
+        </p:spPr>
+        <p:txBody>
+          <a:bodyPr wrap="square" rtlCol="0">
+            <a:spAutoFit/>
+          </a:bodyPr>
+          <a:lstStyle/>
+          <a:p>
+            <a:r>
+              <a:rPr lang="en-US" dirty="0">
+                <a:solidFill>
+                  <a:schemeClr val="accent6">
+                    <a:lumMod val="50000"/>
+                  </a:schemeClr>
+                </a:solidFill>
+              </a:rPr>
+              <a:t>Kappa = 8</a:t>
+            </a:r>
+          </a:p>
+        </p:txBody>
+      </p:sp>
+      <p:sp>
+        <p:nvSpPr>
+          <p:cNvPr id="5" name="TextBox 4">
+            <a:extLst>
+              <a:ext uri="{FF2B5EF4-FFF2-40B4-BE49-F238E27FC236}">
+                <a16:creationId xmlns:a16="http://schemas.microsoft.com/office/drawing/2014/main" id="{3C9B7DDA-7114-BB4E-88FC-9471BF75B0D7}"/>
+              </a:ext>
+            </a:extLst>
+          </p:cNvPr>
+          <p:cNvSpPr txBox="1"/>
+          <p:nvPr/>
+        </p:nvSpPr>
+        <p:spPr>
+          <a:xfrm>
+            <a:off x="4614530" y="2746744"/>
+            <a:ext cx="1605516" cy="369332"/>
+          </a:xfrm>
+          <a:prstGeom prst="rect">
+            <a:avLst/>
+          </a:prstGeom>
+          <a:noFill/>
+        </p:spPr>
+        <p:txBody>
+          <a:bodyPr wrap="square" rtlCol="0">
+            <a:spAutoFit/>
+          </a:bodyPr>
+          <a:lstStyle/>
+          <a:p>
+            <a:r>
+              <a:rPr lang="en-US" dirty="0">
+                <a:solidFill>
+                  <a:schemeClr val="accent6">
+                    <a:lumMod val="60000"/>
+                    <a:lumOff val="40000"/>
+                  </a:schemeClr>
+                </a:solidFill>
+              </a:rPr>
+              <a:t>Kappa = 2</a:t>
+            </a:r>
+          </a:p>
+        </p:txBody>
+      </p:sp>
+    </p:spTree>
+    <p:extLst>
+      <p:ext uri="{BB962C8B-B14F-4D97-AF65-F5344CB8AC3E}">
+        <p14:creationId xmlns:p14="http://schemas.microsoft.com/office/powerpoint/2010/main" val="1182921063"/>
       </p:ext>
     </p:extLst>
   </p:cSld>
